--- a/presentations/data_terminology.pptx
+++ b/presentations/data_terminology.pptx
@@ -5,19 +5,22 @@
     <p:sldMasterId id="2147483648" r:id="rId1"/>
   </p:sldMasterIdLst>
   <p:notesMasterIdLst>
-    <p:notesMasterId r:id="rId12"/>
+    <p:notesMasterId r:id="rId15"/>
   </p:notesMasterIdLst>
   <p:sldIdLst>
     <p:sldId id="322" r:id="rId2"/>
     <p:sldId id="321" r:id="rId3"/>
     <p:sldId id="292" r:id="rId4"/>
     <p:sldId id="330" r:id="rId5"/>
-    <p:sldId id="331" r:id="rId6"/>
-    <p:sldId id="325" r:id="rId7"/>
-    <p:sldId id="327" r:id="rId8"/>
-    <p:sldId id="328" r:id="rId9"/>
-    <p:sldId id="329" r:id="rId10"/>
-    <p:sldId id="326" r:id="rId11"/>
+    <p:sldId id="332" r:id="rId6"/>
+    <p:sldId id="333" r:id="rId7"/>
+    <p:sldId id="334" r:id="rId8"/>
+    <p:sldId id="335" r:id="rId9"/>
+    <p:sldId id="331" r:id="rId10"/>
+    <p:sldId id="327" r:id="rId11"/>
+    <p:sldId id="328" r:id="rId12"/>
+    <p:sldId id="329" r:id="rId13"/>
+    <p:sldId id="326" r:id="rId14"/>
   </p:sldIdLst>
   <p:sldSz cx="12192000" cy="6858000"/>
   <p:notesSz cx="7077075" cy="9363075"/>
@@ -217,7 +220,7 @@
           <a:p>
             <a:fld id="{FD93C9B2-20F6-4DB1-B471-224337D0AC79}" type="datetimeFigureOut">
               <a:rPr lang="en-US" smtClean="0"/>
-              <a:t>6/14/2022</a:t>
+              <a:t>8/5/2022</a:t>
             </a:fld>
             <a:endParaRPr lang="en-US"/>
           </a:p>
@@ -614,6 +617,332 @@
           <a:bodyPr/>
           <a:lstStyle/>
           <a:p>
+            <a:pPr marL="0" marR="0" lvl="0" indent="0" algn="l" defTabSz="914400" rtl="0" eaLnBrk="1" fontAlgn="auto" latinLnBrk="0" hangingPunct="1">
+              <a:lnSpc>
+                <a:spcPct val="100000"/>
+              </a:lnSpc>
+              <a:spcBef>
+                <a:spcPts val="0"/>
+              </a:spcBef>
+              <a:spcAft>
+                <a:spcPts val="0"/>
+              </a:spcAft>
+              <a:buClrTx/>
+              <a:buSzTx/>
+              <a:buFontTx/>
+              <a:buNone/>
+              <a:tabLst/>
+              <a:defRPr/>
+            </a:pPr>
+            <a:r>
+              <a:rPr lang="en-US" sz="1800" dirty="0">
+                <a:effectLst/>
+                <a:latin typeface="Palatino Linotype" panose="02040502050505030304" pitchFamily="18" charset="0"/>
+                <a:ea typeface="Malgun Gothic" panose="020B0503020000020004" pitchFamily="34" charset="-127"/>
+                <a:cs typeface="Times New Roman" panose="02020603050405020304" pitchFamily="18" charset="0"/>
+              </a:rPr>
+              <a:t>The # of dimensions is the tensor’s rank</a:t>
+            </a:r>
+            <a:endParaRPr lang="en-US" sz="1800" dirty="0">
+              <a:effectLst/>
+              <a:latin typeface="Calibri" panose="020F0502020204030204" pitchFamily="34" charset="0"/>
+              <a:ea typeface="Malgun Gothic" panose="020B0503020000020004" pitchFamily="34" charset="-127"/>
+              <a:cs typeface="Times New Roman" panose="02020603050405020304" pitchFamily="18" charset="0"/>
+            </a:endParaRPr>
+          </a:p>
+          <a:p>
+            <a:endParaRPr lang="en-US" dirty="0">
+              <a:latin typeface="+mn-lt"/>
+            </a:endParaRPr>
+          </a:p>
+          <a:p>
+            <a:endParaRPr lang="en-US" dirty="0">
+              <a:latin typeface="+mn-lt"/>
+            </a:endParaRPr>
+          </a:p>
+          <a:p>
+            <a:endParaRPr lang="en-US" dirty="0"/>
+          </a:p>
+        </p:txBody>
+      </p:sp>
+      <p:sp>
+        <p:nvSpPr>
+          <p:cNvPr id="4" name="Slide Number Placeholder 3"/>
+          <p:cNvSpPr>
+            <a:spLocks noGrp="1"/>
+          </p:cNvSpPr>
+          <p:nvPr>
+            <p:ph type="sldNum" sz="quarter" idx="5"/>
+          </p:nvPr>
+        </p:nvSpPr>
+        <p:spPr/>
+        <p:txBody>
+          <a:bodyPr/>
+          <a:lstStyle/>
+          <a:p>
+            <a:fld id="{3148858F-F1DB-4027-9C85-CCA6849540DD}" type="slidenum">
+              <a:rPr lang="en-US" smtClean="0"/>
+              <a:t>10</a:t>
+            </a:fld>
+            <a:endParaRPr lang="en-US"/>
+          </a:p>
+        </p:txBody>
+      </p:sp>
+    </p:spTree>
+    <p:extLst>
+      <p:ext uri="{BB962C8B-B14F-4D97-AF65-F5344CB8AC3E}">
+        <p14:creationId xmlns:p14="http://schemas.microsoft.com/office/powerpoint/2010/main" val="2933283484"/>
+      </p:ext>
+    </p:extLst>
+  </p:cSld>
+  <p:clrMapOvr>
+    <a:masterClrMapping/>
+  </p:clrMapOvr>
+</p:notes>
+</file>
+
+<file path=ppt/notesSlides/notesSlide11.xml><?xml version="1.0" encoding="utf-8"?>
+<p:notes xmlns:a="http://schemas.openxmlformats.org/drawingml/2006/main" xmlns:r="http://schemas.openxmlformats.org/officeDocument/2006/relationships" xmlns:p="http://schemas.openxmlformats.org/presentationml/2006/main">
+  <p:cSld>
+    <p:spTree>
+      <p:nvGrpSpPr>
+        <p:cNvPr id="1" name=""/>
+        <p:cNvGrpSpPr/>
+        <p:nvPr/>
+      </p:nvGrpSpPr>
+      <p:grpSpPr>
+        <a:xfrm>
+          <a:off x="0" y="0"/>
+          <a:ext cx="0" cy="0"/>
+          <a:chOff x="0" y="0"/>
+          <a:chExt cx="0" cy="0"/>
+        </a:xfrm>
+      </p:grpSpPr>
+      <p:sp>
+        <p:nvSpPr>
+          <p:cNvPr id="2" name="Slide Image Placeholder 1"/>
+          <p:cNvSpPr>
+            <a:spLocks noGrp="1" noRot="1" noChangeAspect="1"/>
+          </p:cNvSpPr>
+          <p:nvPr>
+            <p:ph type="sldImg"/>
+          </p:nvPr>
+        </p:nvSpPr>
+        <p:spPr/>
+      </p:sp>
+      <p:sp>
+        <p:nvSpPr>
+          <p:cNvPr id="3" name="Notes Placeholder 2"/>
+          <p:cNvSpPr>
+            <a:spLocks noGrp="1"/>
+          </p:cNvSpPr>
+          <p:nvPr>
+            <p:ph type="body" idx="1"/>
+          </p:nvPr>
+        </p:nvSpPr>
+        <p:spPr/>
+        <p:txBody>
+          <a:bodyPr/>
+          <a:lstStyle/>
+          <a:p>
+            <a:endParaRPr lang="en-US" dirty="0">
+              <a:latin typeface="+mn-lt"/>
+            </a:endParaRPr>
+          </a:p>
+          <a:p>
+            <a:endParaRPr lang="en-US" dirty="0">
+              <a:latin typeface="+mn-lt"/>
+            </a:endParaRPr>
+          </a:p>
+          <a:p>
+            <a:endParaRPr lang="en-US" dirty="0">
+              <a:latin typeface="+mn-lt"/>
+            </a:endParaRPr>
+          </a:p>
+          <a:p>
+            <a:endParaRPr lang="en-US" dirty="0"/>
+          </a:p>
+        </p:txBody>
+      </p:sp>
+      <p:sp>
+        <p:nvSpPr>
+          <p:cNvPr id="4" name="Slide Number Placeholder 3"/>
+          <p:cNvSpPr>
+            <a:spLocks noGrp="1"/>
+          </p:cNvSpPr>
+          <p:nvPr>
+            <p:ph type="sldNum" sz="quarter" idx="5"/>
+          </p:nvPr>
+        </p:nvSpPr>
+        <p:spPr/>
+        <p:txBody>
+          <a:bodyPr/>
+          <a:lstStyle/>
+          <a:p>
+            <a:fld id="{3148858F-F1DB-4027-9C85-CCA6849540DD}" type="slidenum">
+              <a:rPr lang="en-US" smtClean="0"/>
+              <a:t>11</a:t>
+            </a:fld>
+            <a:endParaRPr lang="en-US"/>
+          </a:p>
+        </p:txBody>
+      </p:sp>
+    </p:spTree>
+    <p:extLst>
+      <p:ext uri="{BB962C8B-B14F-4D97-AF65-F5344CB8AC3E}">
+        <p14:creationId xmlns:p14="http://schemas.microsoft.com/office/powerpoint/2010/main" val="3603754797"/>
+      </p:ext>
+    </p:extLst>
+  </p:cSld>
+  <p:clrMapOvr>
+    <a:masterClrMapping/>
+  </p:clrMapOvr>
+</p:notes>
+</file>
+
+<file path=ppt/notesSlides/notesSlide12.xml><?xml version="1.0" encoding="utf-8"?>
+<p:notes xmlns:a="http://schemas.openxmlformats.org/drawingml/2006/main" xmlns:r="http://schemas.openxmlformats.org/officeDocument/2006/relationships" xmlns:p="http://schemas.openxmlformats.org/presentationml/2006/main">
+  <p:cSld>
+    <p:spTree>
+      <p:nvGrpSpPr>
+        <p:cNvPr id="1" name=""/>
+        <p:cNvGrpSpPr/>
+        <p:nvPr/>
+      </p:nvGrpSpPr>
+      <p:grpSpPr>
+        <a:xfrm>
+          <a:off x="0" y="0"/>
+          <a:ext cx="0" cy="0"/>
+          <a:chOff x="0" y="0"/>
+          <a:chExt cx="0" cy="0"/>
+        </a:xfrm>
+      </p:grpSpPr>
+      <p:sp>
+        <p:nvSpPr>
+          <p:cNvPr id="2" name="Slide Image Placeholder 1"/>
+          <p:cNvSpPr>
+            <a:spLocks noGrp="1" noRot="1" noChangeAspect="1"/>
+          </p:cNvSpPr>
+          <p:nvPr>
+            <p:ph type="sldImg"/>
+          </p:nvPr>
+        </p:nvSpPr>
+        <p:spPr/>
+      </p:sp>
+      <p:sp>
+        <p:nvSpPr>
+          <p:cNvPr id="3" name="Notes Placeholder 2"/>
+          <p:cNvSpPr>
+            <a:spLocks noGrp="1"/>
+          </p:cNvSpPr>
+          <p:nvPr>
+            <p:ph type="body" idx="1"/>
+          </p:nvPr>
+        </p:nvSpPr>
+        <p:spPr/>
+        <p:txBody>
+          <a:bodyPr/>
+          <a:lstStyle/>
+          <a:p>
+            <a:endParaRPr lang="en-US" dirty="0">
+              <a:latin typeface="+mn-lt"/>
+            </a:endParaRPr>
+          </a:p>
+          <a:p>
+            <a:endParaRPr lang="en-US" dirty="0">
+              <a:latin typeface="+mn-lt"/>
+            </a:endParaRPr>
+          </a:p>
+          <a:p>
+            <a:endParaRPr lang="en-US" dirty="0">
+              <a:latin typeface="+mn-lt"/>
+            </a:endParaRPr>
+          </a:p>
+          <a:p>
+            <a:endParaRPr lang="en-US" dirty="0"/>
+          </a:p>
+        </p:txBody>
+      </p:sp>
+      <p:sp>
+        <p:nvSpPr>
+          <p:cNvPr id="4" name="Slide Number Placeholder 3"/>
+          <p:cNvSpPr>
+            <a:spLocks noGrp="1"/>
+          </p:cNvSpPr>
+          <p:nvPr>
+            <p:ph type="sldNum" sz="quarter" idx="5"/>
+          </p:nvPr>
+        </p:nvSpPr>
+        <p:spPr/>
+        <p:txBody>
+          <a:bodyPr/>
+          <a:lstStyle/>
+          <a:p>
+            <a:fld id="{3148858F-F1DB-4027-9C85-CCA6849540DD}" type="slidenum">
+              <a:rPr lang="en-US" smtClean="0"/>
+              <a:t>12</a:t>
+            </a:fld>
+            <a:endParaRPr lang="en-US"/>
+          </a:p>
+        </p:txBody>
+      </p:sp>
+    </p:spTree>
+    <p:extLst>
+      <p:ext uri="{BB962C8B-B14F-4D97-AF65-F5344CB8AC3E}">
+        <p14:creationId xmlns:p14="http://schemas.microsoft.com/office/powerpoint/2010/main" val="3299775871"/>
+      </p:ext>
+    </p:extLst>
+  </p:cSld>
+  <p:clrMapOvr>
+    <a:masterClrMapping/>
+  </p:clrMapOvr>
+</p:notes>
+</file>
+
+<file path=ppt/notesSlides/notesSlide13.xml><?xml version="1.0" encoding="utf-8"?>
+<p:notes xmlns:a="http://schemas.openxmlformats.org/drawingml/2006/main" xmlns:r="http://schemas.openxmlformats.org/officeDocument/2006/relationships" xmlns:p="http://schemas.openxmlformats.org/presentationml/2006/main">
+  <p:cSld>
+    <p:spTree>
+      <p:nvGrpSpPr>
+        <p:cNvPr id="1" name=""/>
+        <p:cNvGrpSpPr/>
+        <p:nvPr/>
+      </p:nvGrpSpPr>
+      <p:grpSpPr>
+        <a:xfrm>
+          <a:off x="0" y="0"/>
+          <a:ext cx="0" cy="0"/>
+          <a:chOff x="0" y="0"/>
+          <a:chExt cx="0" cy="0"/>
+        </a:xfrm>
+      </p:grpSpPr>
+      <p:sp>
+        <p:nvSpPr>
+          <p:cNvPr id="2" name="Slide Image Placeholder 1"/>
+          <p:cNvSpPr>
+            <a:spLocks noGrp="1" noRot="1" noChangeAspect="1"/>
+          </p:cNvSpPr>
+          <p:nvPr>
+            <p:ph type="sldImg"/>
+          </p:nvPr>
+        </p:nvSpPr>
+        <p:spPr/>
+      </p:sp>
+      <p:sp>
+        <p:nvSpPr>
+          <p:cNvPr id="3" name="Notes Placeholder 2"/>
+          <p:cNvSpPr>
+            <a:spLocks noGrp="1"/>
+          </p:cNvSpPr>
+          <p:nvPr>
+            <p:ph type="body" idx="1"/>
+          </p:nvPr>
+        </p:nvSpPr>
+        <p:spPr/>
+        <p:txBody>
+          <a:bodyPr/>
+          <a:lstStyle/>
+          <a:p>
             <a:pPr marL="228600" indent="-228600">
               <a:buAutoNum type="arabicPeriod"/>
             </a:pPr>
@@ -921,7 +1250,7 @@
           <a:p>
             <a:fld id="{3148858F-F1DB-4027-9C85-CCA6849540DD}" type="slidenum">
               <a:rPr lang="en-US" smtClean="0"/>
-              <a:t>10</a:t>
+              <a:t>13</a:t>
             </a:fld>
             <a:endParaRPr lang="en-US"/>
           </a:p>
@@ -1463,6 +1792,24 @@
           <a:bodyPr/>
           <a:lstStyle/>
           <a:p>
+            <a:endParaRPr lang="en-US" dirty="0">
+              <a:latin typeface="+mn-lt"/>
+            </a:endParaRPr>
+          </a:p>
+          <a:p>
+            <a:r>
+              <a:rPr lang="en-US" dirty="0">
+                <a:latin typeface="+mn-lt"/>
+              </a:rPr>
+              <a:t>v</a:t>
+            </a:r>
+          </a:p>
+          <a:p>
+            <a:endParaRPr lang="en-US" dirty="0">
+              <a:latin typeface="+mn-lt"/>
+            </a:endParaRPr>
+          </a:p>
+          <a:p>
             <a:endParaRPr lang="en-US" dirty="0"/>
           </a:p>
         </p:txBody>
@@ -1493,7 +1840,7 @@
     </p:spTree>
     <p:extLst>
       <p:ext uri="{BB962C8B-B14F-4D97-AF65-F5344CB8AC3E}">
-        <p14:creationId xmlns:p14="http://schemas.microsoft.com/office/powerpoint/2010/main" val="2474064514"/>
+        <p14:creationId xmlns:p14="http://schemas.microsoft.com/office/powerpoint/2010/main" val="1267751403"/>
       </p:ext>
     </p:extLst>
   </p:cSld>
@@ -1547,8 +1894,37 @@
           <a:bodyPr/>
           <a:lstStyle/>
           <a:p>
-            <a:endParaRPr lang="en-US" dirty="0">
-              <a:latin typeface="+mn-lt"/>
+            <a:pPr marL="0" marR="0" lvl="0" indent="0" algn="l" defTabSz="914400" rtl="0" eaLnBrk="1" fontAlgn="auto" latinLnBrk="0" hangingPunct="1">
+              <a:lnSpc>
+                <a:spcPct val="100000"/>
+              </a:lnSpc>
+              <a:spcBef>
+                <a:spcPts val="0"/>
+              </a:spcBef>
+              <a:spcAft>
+                <a:spcPts val="0"/>
+              </a:spcAft>
+              <a:buClrTx/>
+              <a:buSzTx/>
+              <a:buFontTx/>
+              <a:buNone/>
+              <a:tabLst/>
+              <a:defRPr/>
+            </a:pPr>
+            <a:r>
+              <a:rPr lang="en-US" sz="1800" dirty="0">
+                <a:effectLst/>
+                <a:latin typeface="Palatino Linotype" panose="02040502050505030304" pitchFamily="18" charset="0"/>
+                <a:ea typeface="Malgun Gothic" panose="020B0503020000020004" pitchFamily="34" charset="-127"/>
+                <a:cs typeface="Times New Roman" panose="02020603050405020304" pitchFamily="18" charset="0"/>
+              </a:rPr>
+              <a:t>The # of dimensions is the tensor’s rank</a:t>
+            </a:r>
+            <a:endParaRPr lang="en-US" sz="1800" dirty="0">
+              <a:effectLst/>
+              <a:latin typeface="Calibri" panose="020F0502020204030204" pitchFamily="34" charset="0"/>
+              <a:ea typeface="Malgun Gothic" panose="020B0503020000020004" pitchFamily="34" charset="-127"/>
+              <a:cs typeface="Times New Roman" panose="02020603050405020304" pitchFamily="18" charset="0"/>
             </a:endParaRPr>
           </a:p>
           <a:p>
@@ -1592,7 +1968,7 @@
     </p:spTree>
     <p:extLst>
       <p:ext uri="{BB962C8B-B14F-4D97-AF65-F5344CB8AC3E}">
-        <p14:creationId xmlns:p14="http://schemas.microsoft.com/office/powerpoint/2010/main" val="1267751403"/>
+        <p14:creationId xmlns:p14="http://schemas.microsoft.com/office/powerpoint/2010/main" val="2933283484"/>
       </p:ext>
     </p:extLst>
   </p:cSld>
@@ -1646,37 +2022,8 @@
           <a:bodyPr/>
           <a:lstStyle/>
           <a:p>
-            <a:pPr marL="0" marR="0" lvl="0" indent="0" algn="l" defTabSz="914400" rtl="0" eaLnBrk="1" fontAlgn="auto" latinLnBrk="0" hangingPunct="1">
-              <a:lnSpc>
-                <a:spcPct val="100000"/>
-              </a:lnSpc>
-              <a:spcBef>
-                <a:spcPts val="0"/>
-              </a:spcBef>
-              <a:spcAft>
-                <a:spcPts val="0"/>
-              </a:spcAft>
-              <a:buClrTx/>
-              <a:buSzTx/>
-              <a:buFontTx/>
-              <a:buNone/>
-              <a:tabLst/>
-              <a:defRPr/>
-            </a:pPr>
-            <a:r>
-              <a:rPr lang="en-US" sz="1800" dirty="0">
-                <a:effectLst/>
-                <a:latin typeface="Palatino Linotype" panose="02040502050505030304" pitchFamily="18" charset="0"/>
-                <a:ea typeface="Malgun Gothic" panose="020B0503020000020004" pitchFamily="34" charset="-127"/>
-                <a:cs typeface="Times New Roman" panose="02020603050405020304" pitchFamily="18" charset="0"/>
-              </a:rPr>
-              <a:t>The # of dimensions is the tensor’s rank</a:t>
-            </a:r>
-            <a:endParaRPr lang="en-US" sz="1800" dirty="0">
-              <a:effectLst/>
-              <a:latin typeface="Calibri" panose="020F0502020204030204" pitchFamily="34" charset="0"/>
-              <a:ea typeface="Malgun Gothic" panose="020B0503020000020004" pitchFamily="34" charset="-127"/>
-              <a:cs typeface="Times New Roman" panose="02020603050405020304" pitchFamily="18" charset="0"/>
+            <a:endParaRPr lang="en-US" dirty="0">
+              <a:latin typeface="+mn-lt"/>
             </a:endParaRPr>
           </a:p>
           <a:p>
@@ -1720,7 +2067,7 @@
     </p:spTree>
     <p:extLst>
       <p:ext uri="{BB962C8B-B14F-4D97-AF65-F5344CB8AC3E}">
-        <p14:creationId xmlns:p14="http://schemas.microsoft.com/office/powerpoint/2010/main" val="2933283484"/>
+        <p14:creationId xmlns:p14="http://schemas.microsoft.com/office/powerpoint/2010/main" val="3603754797"/>
       </p:ext>
     </p:extLst>
   </p:cSld>
@@ -1819,7 +2166,7 @@
     </p:spTree>
     <p:extLst>
       <p:ext uri="{BB962C8B-B14F-4D97-AF65-F5344CB8AC3E}">
-        <p14:creationId xmlns:p14="http://schemas.microsoft.com/office/powerpoint/2010/main" val="3603754797"/>
+        <p14:creationId xmlns:p14="http://schemas.microsoft.com/office/powerpoint/2010/main" val="3299775871"/>
       </p:ext>
     </p:extLst>
   </p:cSld>
@@ -1873,21 +2220,6 @@
           <a:bodyPr/>
           <a:lstStyle/>
           <a:p>
-            <a:endParaRPr lang="en-US" dirty="0">
-              <a:latin typeface="+mn-lt"/>
-            </a:endParaRPr>
-          </a:p>
-          <a:p>
-            <a:endParaRPr lang="en-US" dirty="0">
-              <a:latin typeface="+mn-lt"/>
-            </a:endParaRPr>
-          </a:p>
-          <a:p>
-            <a:endParaRPr lang="en-US" dirty="0">
-              <a:latin typeface="+mn-lt"/>
-            </a:endParaRPr>
-          </a:p>
-          <a:p>
             <a:endParaRPr lang="en-US" dirty="0"/>
           </a:p>
         </p:txBody>
@@ -1918,7 +2250,7 @@
     </p:spTree>
     <p:extLst>
       <p:ext uri="{BB962C8B-B14F-4D97-AF65-F5344CB8AC3E}">
-        <p14:creationId xmlns:p14="http://schemas.microsoft.com/office/powerpoint/2010/main" val="3299775871"/>
+        <p14:creationId xmlns:p14="http://schemas.microsoft.com/office/powerpoint/2010/main" val="2474064514"/>
       </p:ext>
     </p:extLst>
   </p:cSld>
@@ -2075,7 +2407,7 @@
           <a:p>
             <a:fld id="{C3F78080-8D0A-4BE8-A5B4-CB115102D524}" type="datetimeFigureOut">
               <a:rPr lang="en-US" smtClean="0"/>
-              <a:t>6/14/2022</a:t>
+              <a:t>8/5/2022</a:t>
             </a:fld>
             <a:endParaRPr lang="en-US"/>
           </a:p>
@@ -2273,7 +2605,7 @@
           <a:p>
             <a:fld id="{C3F78080-8D0A-4BE8-A5B4-CB115102D524}" type="datetimeFigureOut">
               <a:rPr lang="en-US" smtClean="0"/>
-              <a:t>6/14/2022</a:t>
+              <a:t>8/5/2022</a:t>
             </a:fld>
             <a:endParaRPr lang="en-US"/>
           </a:p>
@@ -2481,7 +2813,7 @@
           <a:p>
             <a:fld id="{C3F78080-8D0A-4BE8-A5B4-CB115102D524}" type="datetimeFigureOut">
               <a:rPr lang="en-US" smtClean="0"/>
-              <a:t>6/14/2022</a:t>
+              <a:t>8/5/2022</a:t>
             </a:fld>
             <a:endParaRPr lang="en-US"/>
           </a:p>
@@ -2679,7 +3011,7 @@
           <a:p>
             <a:fld id="{C3F78080-8D0A-4BE8-A5B4-CB115102D524}" type="datetimeFigureOut">
               <a:rPr lang="en-US" smtClean="0"/>
-              <a:t>6/14/2022</a:t>
+              <a:t>8/5/2022</a:t>
             </a:fld>
             <a:endParaRPr lang="en-US"/>
           </a:p>
@@ -2954,7 +3286,7 @@
           <a:p>
             <a:fld id="{C3F78080-8D0A-4BE8-A5B4-CB115102D524}" type="datetimeFigureOut">
               <a:rPr lang="en-US" smtClean="0"/>
-              <a:t>6/14/2022</a:t>
+              <a:t>8/5/2022</a:t>
             </a:fld>
             <a:endParaRPr lang="en-US"/>
           </a:p>
@@ -3219,7 +3551,7 @@
           <a:p>
             <a:fld id="{C3F78080-8D0A-4BE8-A5B4-CB115102D524}" type="datetimeFigureOut">
               <a:rPr lang="en-US" smtClean="0"/>
-              <a:t>6/14/2022</a:t>
+              <a:t>8/5/2022</a:t>
             </a:fld>
             <a:endParaRPr lang="en-US"/>
           </a:p>
@@ -3631,7 +3963,7 @@
           <a:p>
             <a:fld id="{C3F78080-8D0A-4BE8-A5B4-CB115102D524}" type="datetimeFigureOut">
               <a:rPr lang="en-US" smtClean="0"/>
-              <a:t>6/14/2022</a:t>
+              <a:t>8/5/2022</a:t>
             </a:fld>
             <a:endParaRPr lang="en-US"/>
           </a:p>
@@ -3772,7 +4104,7 @@
           <a:p>
             <a:fld id="{C3F78080-8D0A-4BE8-A5B4-CB115102D524}" type="datetimeFigureOut">
               <a:rPr lang="en-US" smtClean="0"/>
-              <a:t>6/14/2022</a:t>
+              <a:t>8/5/2022</a:t>
             </a:fld>
             <a:endParaRPr lang="en-US"/>
           </a:p>
@@ -3885,7 +4217,7 @@
           <a:p>
             <a:fld id="{C3F78080-8D0A-4BE8-A5B4-CB115102D524}" type="datetimeFigureOut">
               <a:rPr lang="en-US" smtClean="0"/>
-              <a:t>6/14/2022</a:t>
+              <a:t>8/5/2022</a:t>
             </a:fld>
             <a:endParaRPr lang="en-US"/>
           </a:p>
@@ -4196,7 +4528,7 @@
           <a:p>
             <a:fld id="{C3F78080-8D0A-4BE8-A5B4-CB115102D524}" type="datetimeFigureOut">
               <a:rPr lang="en-US" smtClean="0"/>
-              <a:t>6/14/2022</a:t>
+              <a:t>8/5/2022</a:t>
             </a:fld>
             <a:endParaRPr lang="en-US"/>
           </a:p>
@@ -4484,7 +4816,7 @@
           <a:p>
             <a:fld id="{C3F78080-8D0A-4BE8-A5B4-CB115102D524}" type="datetimeFigureOut">
               <a:rPr lang="en-US" smtClean="0"/>
-              <a:t>6/14/2022</a:t>
+              <a:t>8/5/2022</a:t>
             </a:fld>
             <a:endParaRPr lang="en-US"/>
           </a:p>
@@ -4725,7 +5057,7 @@
           <a:p>
             <a:fld id="{C3F78080-8D0A-4BE8-A5B4-CB115102D524}" type="datetimeFigureOut">
               <a:rPr lang="en-US" smtClean="0"/>
-              <a:t>6/14/2022</a:t>
+              <a:t>8/5/2022</a:t>
             </a:fld>
             <a:endParaRPr lang="en-US"/>
           </a:p>
@@ -5258,6 +5590,216 @@
       </p:grpSpPr>
       <p:pic>
         <p:nvPicPr>
+          <p:cNvPr id="3" name="Picture 2">
+            <a:extLst>
+              <a:ext uri="{FF2B5EF4-FFF2-40B4-BE49-F238E27FC236}">
+                <a16:creationId xmlns:a16="http://schemas.microsoft.com/office/drawing/2014/main" id="{4E3D2209-EBCE-4BD6-9F05-CB20E635C1D2}"/>
+              </a:ext>
+            </a:extLst>
+          </p:cNvPr>
+          <p:cNvPicPr/>
+          <p:nvPr/>
+        </p:nvPicPr>
+        <p:blipFill>
+          <a:blip r:embed="rId3"/>
+          <a:stretch>
+            <a:fillRect/>
+          </a:stretch>
+        </p:blipFill>
+        <p:spPr>
+          <a:xfrm>
+            <a:off x="3819525" y="1552575"/>
+            <a:ext cx="4552950" cy="3752850"/>
+          </a:xfrm>
+          <a:prstGeom prst="rect">
+            <a:avLst/>
+          </a:prstGeom>
+        </p:spPr>
+      </p:pic>
+    </p:spTree>
+    <p:extLst>
+      <p:ext uri="{BB962C8B-B14F-4D97-AF65-F5344CB8AC3E}">
+        <p14:creationId xmlns:p14="http://schemas.microsoft.com/office/powerpoint/2010/main" val="642294949"/>
+      </p:ext>
+    </p:extLst>
+  </p:cSld>
+  <p:clrMapOvr>
+    <a:masterClrMapping/>
+  </p:clrMapOvr>
+  <mc:AlternateContent xmlns:mc="http://schemas.openxmlformats.org/markup-compatibility/2006" xmlns:p14="http://schemas.microsoft.com/office/powerpoint/2010/main">
+    <mc:Choice Requires="p14">
+      <p:transition spd="med" p14:dur="700">
+        <p:fade/>
+      </p:transition>
+    </mc:Choice>
+    <mc:Fallback xmlns="">
+      <p:transition spd="med">
+        <p:fade/>
+      </p:transition>
+    </mc:Fallback>
+  </mc:AlternateContent>
+</p:sld>
+</file>
+
+<file path=ppt/slides/slide11.xml><?xml version="1.0" encoding="utf-8"?>
+<p:sld xmlns:a="http://schemas.openxmlformats.org/drawingml/2006/main" xmlns:r="http://schemas.openxmlformats.org/officeDocument/2006/relationships" xmlns:p="http://schemas.openxmlformats.org/presentationml/2006/main">
+  <p:cSld>
+    <p:spTree>
+      <p:nvGrpSpPr>
+        <p:cNvPr id="1" name=""/>
+        <p:cNvGrpSpPr/>
+        <p:nvPr/>
+      </p:nvGrpSpPr>
+      <p:grpSpPr>
+        <a:xfrm>
+          <a:off x="0" y="0"/>
+          <a:ext cx="0" cy="0"/>
+          <a:chOff x="0" y="0"/>
+          <a:chExt cx="0" cy="0"/>
+        </a:xfrm>
+      </p:grpSpPr>
+      <p:pic>
+        <p:nvPicPr>
+          <p:cNvPr id="4" name="Picture 3">
+            <a:extLst>
+              <a:ext uri="{FF2B5EF4-FFF2-40B4-BE49-F238E27FC236}">
+                <a16:creationId xmlns:a16="http://schemas.microsoft.com/office/drawing/2014/main" id="{FECF48BD-3C14-44DE-B7EB-9450ABC839D2}"/>
+              </a:ext>
+            </a:extLst>
+          </p:cNvPr>
+          <p:cNvPicPr/>
+          <p:nvPr/>
+        </p:nvPicPr>
+        <p:blipFill>
+          <a:blip r:embed="rId3"/>
+          <a:stretch>
+            <a:fillRect/>
+          </a:stretch>
+        </p:blipFill>
+        <p:spPr>
+          <a:xfrm>
+            <a:off x="3819525" y="1543050"/>
+            <a:ext cx="4552950" cy="3771900"/>
+          </a:xfrm>
+          <a:prstGeom prst="rect">
+            <a:avLst/>
+          </a:prstGeom>
+        </p:spPr>
+      </p:pic>
+    </p:spTree>
+    <p:extLst>
+      <p:ext uri="{BB962C8B-B14F-4D97-AF65-F5344CB8AC3E}">
+        <p14:creationId xmlns:p14="http://schemas.microsoft.com/office/powerpoint/2010/main" val="2398860590"/>
+      </p:ext>
+    </p:extLst>
+  </p:cSld>
+  <p:clrMapOvr>
+    <a:masterClrMapping/>
+  </p:clrMapOvr>
+  <mc:AlternateContent xmlns:mc="http://schemas.openxmlformats.org/markup-compatibility/2006" xmlns:p14="http://schemas.microsoft.com/office/powerpoint/2010/main">
+    <mc:Choice Requires="p14">
+      <p:transition spd="med" p14:dur="700">
+        <p:fade/>
+      </p:transition>
+    </mc:Choice>
+    <mc:Fallback xmlns="">
+      <p:transition spd="med">
+        <p:fade/>
+      </p:transition>
+    </mc:Fallback>
+  </mc:AlternateContent>
+</p:sld>
+</file>
+
+<file path=ppt/slides/slide12.xml><?xml version="1.0" encoding="utf-8"?>
+<p:sld xmlns:a="http://schemas.openxmlformats.org/drawingml/2006/main" xmlns:r="http://schemas.openxmlformats.org/officeDocument/2006/relationships" xmlns:p="http://schemas.openxmlformats.org/presentationml/2006/main">
+  <p:cSld>
+    <p:spTree>
+      <p:nvGrpSpPr>
+        <p:cNvPr id="1" name=""/>
+        <p:cNvGrpSpPr/>
+        <p:nvPr/>
+      </p:nvGrpSpPr>
+      <p:grpSpPr>
+        <a:xfrm>
+          <a:off x="0" y="0"/>
+          <a:ext cx="0" cy="0"/>
+          <a:chOff x="0" y="0"/>
+          <a:chExt cx="0" cy="0"/>
+        </a:xfrm>
+      </p:grpSpPr>
+      <p:pic>
+        <p:nvPicPr>
+          <p:cNvPr id="3" name="Picture 2">
+            <a:extLst>
+              <a:ext uri="{FF2B5EF4-FFF2-40B4-BE49-F238E27FC236}">
+                <a16:creationId xmlns:a16="http://schemas.microsoft.com/office/drawing/2014/main" id="{4617C3BA-E214-469F-96CB-D017419FFD98}"/>
+              </a:ext>
+            </a:extLst>
+          </p:cNvPr>
+          <p:cNvPicPr/>
+          <p:nvPr/>
+        </p:nvPicPr>
+        <p:blipFill>
+          <a:blip r:embed="rId3"/>
+          <a:stretch>
+            <a:fillRect/>
+          </a:stretch>
+        </p:blipFill>
+        <p:spPr>
+          <a:xfrm>
+            <a:off x="3124200" y="1933257"/>
+            <a:ext cx="5943600" cy="2991485"/>
+          </a:xfrm>
+          <a:prstGeom prst="rect">
+            <a:avLst/>
+          </a:prstGeom>
+        </p:spPr>
+      </p:pic>
+    </p:spTree>
+    <p:extLst>
+      <p:ext uri="{BB962C8B-B14F-4D97-AF65-F5344CB8AC3E}">
+        <p14:creationId xmlns:p14="http://schemas.microsoft.com/office/powerpoint/2010/main" val="1171388130"/>
+      </p:ext>
+    </p:extLst>
+  </p:cSld>
+  <p:clrMapOvr>
+    <a:masterClrMapping/>
+  </p:clrMapOvr>
+  <mc:AlternateContent xmlns:mc="http://schemas.openxmlformats.org/markup-compatibility/2006" xmlns:p14="http://schemas.microsoft.com/office/powerpoint/2010/main">
+    <mc:Choice Requires="p14">
+      <p:transition spd="med" p14:dur="700">
+        <p:fade/>
+      </p:transition>
+    </mc:Choice>
+    <mc:Fallback xmlns="">
+      <p:transition spd="med">
+        <p:fade/>
+      </p:transition>
+    </mc:Fallback>
+  </mc:AlternateContent>
+</p:sld>
+</file>
+
+<file path=ppt/slides/slide13.xml><?xml version="1.0" encoding="utf-8"?>
+<p:sld xmlns:a="http://schemas.openxmlformats.org/drawingml/2006/main" xmlns:r="http://schemas.openxmlformats.org/officeDocument/2006/relationships" xmlns:p="http://schemas.openxmlformats.org/presentationml/2006/main">
+  <p:cSld>
+    <p:spTree>
+      <p:nvGrpSpPr>
+        <p:cNvPr id="1" name=""/>
+        <p:cNvGrpSpPr/>
+        <p:nvPr/>
+      </p:nvGrpSpPr>
+      <p:grpSpPr>
+        <a:xfrm>
+          <a:off x="0" y="0"/>
+          <a:ext cx="0" cy="0"/>
+          <a:chOff x="0" y="0"/>
+          <a:chExt cx="0" cy="0"/>
+        </a:xfrm>
+      </p:grpSpPr>
+      <p:pic>
+        <p:nvPicPr>
           <p:cNvPr id="2050" name="Picture 2" descr="F13013">
             <a:extLst>
               <a:ext uri="{FF2B5EF4-FFF2-40B4-BE49-F238E27FC236}">
@@ -5717,10 +6259,10 @@
       </p:grpSpPr>
       <p:pic>
         <p:nvPicPr>
-          <p:cNvPr id="4" name="Picture 3">
+          <p:cNvPr id="3" name="Picture 2">
             <a:extLst>
               <a:ext uri="{FF2B5EF4-FFF2-40B4-BE49-F238E27FC236}">
-                <a16:creationId xmlns:a16="http://schemas.microsoft.com/office/drawing/2014/main" id="{CB267C93-0666-44C1-BFBC-0A9A5B6FC83E}"/>
+                <a16:creationId xmlns:a16="http://schemas.microsoft.com/office/drawing/2014/main" id="{1BE21337-47C7-4E28-B31F-6394D2A90766}"/>
               </a:ext>
             </a:extLst>
           </p:cNvPr>
@@ -5737,8 +6279,8 @@
         </p:blipFill>
         <p:spPr>
           <a:xfrm>
-            <a:off x="4017462" y="0"/>
-            <a:ext cx="4157075" cy="6858000"/>
+            <a:off x="2176462" y="600075"/>
+            <a:ext cx="7839075" cy="5657850"/>
           </a:xfrm>
           <a:prstGeom prst="rect">
             <a:avLst/>
@@ -5787,6 +6329,2355 @@
           <a:chExt cx="0" cy="0"/>
         </a:xfrm>
       </p:grpSpPr>
+      <p:grpSp>
+        <p:nvGrpSpPr>
+          <p:cNvPr id="25" name="Group 24">
+            <a:extLst>
+              <a:ext uri="{FF2B5EF4-FFF2-40B4-BE49-F238E27FC236}">
+                <a16:creationId xmlns:a16="http://schemas.microsoft.com/office/drawing/2014/main" id="{261AD79F-B2FB-F2BF-3070-A874D0BC8C30}"/>
+              </a:ext>
+            </a:extLst>
+          </p:cNvPr>
+          <p:cNvGrpSpPr/>
+          <p:nvPr/>
+        </p:nvGrpSpPr>
+        <p:grpSpPr>
+          <a:xfrm>
+            <a:off x="4114697" y="2292391"/>
+            <a:ext cx="1062610" cy="2269950"/>
+            <a:chOff x="4114697" y="2292391"/>
+            <a:chExt cx="1062610" cy="2269950"/>
+          </a:xfrm>
+        </p:grpSpPr>
+        <p:sp>
+          <p:nvSpPr>
+            <p:cNvPr id="3" name="Rounded Rectangle 2">
+              <a:extLst>
+                <a:ext uri="{FF2B5EF4-FFF2-40B4-BE49-F238E27FC236}">
+                  <a16:creationId xmlns:a16="http://schemas.microsoft.com/office/drawing/2014/main" id="{B3B2C42F-D296-E7C1-C362-15D18C90A98E}"/>
+                </a:ext>
+              </a:extLst>
+            </p:cNvPr>
+            <p:cNvSpPr/>
+            <p:nvPr/>
+          </p:nvSpPr>
+          <p:spPr>
+            <a:xfrm>
+              <a:off x="4114698" y="2295659"/>
+              <a:ext cx="1062609" cy="2266682"/>
+            </a:xfrm>
+            <a:prstGeom prst="roundRect">
+              <a:avLst/>
+            </a:prstGeom>
+            <a:solidFill>
+              <a:srgbClr val="6EC987"/>
+            </a:solidFill>
+            <a:ln>
+              <a:solidFill>
+                <a:srgbClr val="6EC987"/>
+              </a:solidFill>
+            </a:ln>
+          </p:spPr>
+          <p:style>
+            <a:lnRef idx="2">
+              <a:schemeClr val="accent1">
+                <a:shade val="50000"/>
+              </a:schemeClr>
+            </a:lnRef>
+            <a:fillRef idx="1">
+              <a:schemeClr val="accent1"/>
+            </a:fillRef>
+            <a:effectRef idx="0">
+              <a:schemeClr val="accent1"/>
+            </a:effectRef>
+            <a:fontRef idx="minor">
+              <a:schemeClr val="lt1"/>
+            </a:fontRef>
+          </p:style>
+          <p:txBody>
+            <a:bodyPr rtlCol="0" anchor="ctr"/>
+            <a:lstStyle/>
+            <a:p>
+              <a:pPr algn="ctr"/>
+              <a:endParaRPr lang="en-US" dirty="0"/>
+            </a:p>
+          </p:txBody>
+        </p:sp>
+        <p:sp>
+          <p:nvSpPr>
+            <p:cNvPr id="9" name="TextBox 8">
+              <a:extLst>
+                <a:ext uri="{FF2B5EF4-FFF2-40B4-BE49-F238E27FC236}">
+                  <a16:creationId xmlns:a16="http://schemas.microsoft.com/office/drawing/2014/main" id="{0D1192B8-4791-BBF8-E27D-D20ADB9F3BA4}"/>
+                </a:ext>
+              </a:extLst>
+            </p:cNvPr>
+            <p:cNvSpPr txBox="1"/>
+            <p:nvPr/>
+          </p:nvSpPr>
+          <p:spPr>
+            <a:xfrm>
+              <a:off x="4114697" y="2292391"/>
+              <a:ext cx="1062610" cy="1246495"/>
+            </a:xfrm>
+            <a:prstGeom prst="rect">
+              <a:avLst/>
+            </a:prstGeom>
+            <a:noFill/>
+          </p:spPr>
+          <p:txBody>
+            <a:bodyPr wrap="square" rtlCol="0">
+              <a:spAutoFit/>
+            </a:bodyPr>
+            <a:lstStyle/>
+            <a:p>
+              <a:pPr algn="ctr"/>
+              <a:r>
+                <a:rPr lang="en-US" sz="1500" b="1" dirty="0">
+                  <a:solidFill>
+                    <a:schemeClr val="bg1"/>
+                  </a:solidFill>
+                  <a:latin typeface="Avenir Heavy" panose="02000503020000020003" pitchFamily="2" charset="0"/>
+                </a:rPr>
+                <a:t>atomic</a:t>
+              </a:r>
+            </a:p>
+            <a:p>
+              <a:pPr algn="ctr"/>
+              <a:r>
+                <a:rPr lang="en-US" sz="1200" dirty="0">
+                  <a:solidFill>
+                    <a:schemeClr val="bg1"/>
+                  </a:solidFill>
+                  <a:latin typeface="Avenir" panose="02000503020000020003" pitchFamily="2" charset="0"/>
+                </a:rPr>
+                <a:t>(scalars)</a:t>
+              </a:r>
+            </a:p>
+            <a:p>
+              <a:pPr algn="ctr"/>
+              <a:endParaRPr lang="en-US" sz="1200" dirty="0">
+                <a:solidFill>
+                  <a:schemeClr val="bg1"/>
+                </a:solidFill>
+                <a:latin typeface="Avenir" panose="02000503020000020003" pitchFamily="2" charset="0"/>
+              </a:endParaRPr>
+            </a:p>
+            <a:p>
+              <a:pPr algn="ctr"/>
+              <a:endParaRPr lang="en-US" b="1" dirty="0">
+                <a:solidFill>
+                  <a:schemeClr val="bg1"/>
+                </a:solidFill>
+                <a:latin typeface="Avenir Black" panose="02000503020000020003" pitchFamily="2" charset="0"/>
+              </a:endParaRPr>
+            </a:p>
+            <a:p>
+              <a:pPr algn="ctr"/>
+              <a:r>
+                <a:rPr lang="en-US" b="1" dirty="0">
+                  <a:solidFill>
+                    <a:schemeClr val="bg1"/>
+                  </a:solidFill>
+                  <a:latin typeface="Avenir Black" panose="02000503020000020003" pitchFamily="2" charset="0"/>
+                </a:rPr>
+                <a:t>32</a:t>
+              </a:r>
+            </a:p>
+          </p:txBody>
+        </p:sp>
+      </p:grpSp>
+      <p:grpSp>
+        <p:nvGrpSpPr>
+          <p:cNvPr id="23" name="Group 22">
+            <a:extLst>
+              <a:ext uri="{FF2B5EF4-FFF2-40B4-BE49-F238E27FC236}">
+                <a16:creationId xmlns:a16="http://schemas.microsoft.com/office/drawing/2014/main" id="{4A67D70B-5D9E-F9DF-20E9-7FD74F52E202}"/>
+              </a:ext>
+            </a:extLst>
+          </p:cNvPr>
+          <p:cNvGrpSpPr/>
+          <p:nvPr/>
+        </p:nvGrpSpPr>
+        <p:grpSpPr>
+          <a:xfrm>
+            <a:off x="5299759" y="2292391"/>
+            <a:ext cx="2749638" cy="2273500"/>
+            <a:chOff x="5299759" y="2292391"/>
+            <a:chExt cx="2749638" cy="2273500"/>
+          </a:xfrm>
+        </p:grpSpPr>
+        <p:sp>
+          <p:nvSpPr>
+            <p:cNvPr id="5" name="Rounded Rectangle 4">
+              <a:extLst>
+                <a:ext uri="{FF2B5EF4-FFF2-40B4-BE49-F238E27FC236}">
+                  <a16:creationId xmlns:a16="http://schemas.microsoft.com/office/drawing/2014/main" id="{C5B40C6C-95E4-350B-01B4-40EBBDE62490}"/>
+                </a:ext>
+              </a:extLst>
+            </p:cNvPr>
+            <p:cNvSpPr/>
+            <p:nvPr/>
+          </p:nvSpPr>
+          <p:spPr>
+            <a:xfrm>
+              <a:off x="5299759" y="2295659"/>
+              <a:ext cx="1043189" cy="2266682"/>
+            </a:xfrm>
+            <a:prstGeom prst="roundRect">
+              <a:avLst/>
+            </a:prstGeom>
+            <a:solidFill>
+              <a:srgbClr val="6EC987"/>
+            </a:solidFill>
+            <a:ln>
+              <a:solidFill>
+                <a:srgbClr val="6EC987"/>
+              </a:solidFill>
+            </a:ln>
+          </p:spPr>
+          <p:style>
+            <a:lnRef idx="2">
+              <a:schemeClr val="accent1">
+                <a:shade val="50000"/>
+              </a:schemeClr>
+            </a:lnRef>
+            <a:fillRef idx="1">
+              <a:schemeClr val="accent1"/>
+            </a:fillRef>
+            <a:effectRef idx="0">
+              <a:schemeClr val="accent1"/>
+            </a:effectRef>
+            <a:fontRef idx="minor">
+              <a:schemeClr val="lt1"/>
+            </a:fontRef>
+          </p:style>
+          <p:txBody>
+            <a:bodyPr rtlCol="0" anchor="ctr"/>
+            <a:lstStyle/>
+            <a:p>
+              <a:pPr algn="ctr"/>
+              <a:endParaRPr lang="en-US"/>
+            </a:p>
+          </p:txBody>
+        </p:sp>
+        <p:sp>
+          <p:nvSpPr>
+            <p:cNvPr id="6" name="Rounded Rectangle 5">
+              <a:extLst>
+                <a:ext uri="{FF2B5EF4-FFF2-40B4-BE49-F238E27FC236}">
+                  <a16:creationId xmlns:a16="http://schemas.microsoft.com/office/drawing/2014/main" id="{27E58FCC-2D13-7FF1-6BBF-AD3835B0D711}"/>
+                </a:ext>
+              </a:extLst>
+            </p:cNvPr>
+            <p:cNvSpPr/>
+            <p:nvPr/>
+          </p:nvSpPr>
+          <p:spPr>
+            <a:xfrm>
+              <a:off x="7006208" y="2295659"/>
+              <a:ext cx="1043189" cy="2266682"/>
+            </a:xfrm>
+            <a:prstGeom prst="roundRect">
+              <a:avLst/>
+            </a:prstGeom>
+            <a:solidFill>
+              <a:srgbClr val="6EC987"/>
+            </a:solidFill>
+            <a:ln>
+              <a:solidFill>
+                <a:srgbClr val="6EC987"/>
+              </a:solidFill>
+            </a:ln>
+          </p:spPr>
+          <p:style>
+            <a:lnRef idx="2">
+              <a:schemeClr val="accent1">
+                <a:shade val="50000"/>
+              </a:schemeClr>
+            </a:lnRef>
+            <a:fillRef idx="1">
+              <a:schemeClr val="accent1"/>
+            </a:fillRef>
+            <a:effectRef idx="0">
+              <a:schemeClr val="accent1"/>
+            </a:effectRef>
+            <a:fontRef idx="minor">
+              <a:schemeClr val="lt1"/>
+            </a:fontRef>
+          </p:style>
+          <p:txBody>
+            <a:bodyPr rtlCol="0" anchor="ctr"/>
+            <a:lstStyle/>
+            <a:p>
+              <a:pPr algn="ctr"/>
+              <a:endParaRPr lang="en-US" dirty="0"/>
+            </a:p>
+          </p:txBody>
+        </p:sp>
+        <p:sp>
+          <p:nvSpPr>
+            <p:cNvPr id="8" name="Rounded Rectangle 7">
+              <a:extLst>
+                <a:ext uri="{FF2B5EF4-FFF2-40B4-BE49-F238E27FC236}">
+                  <a16:creationId xmlns:a16="http://schemas.microsoft.com/office/drawing/2014/main" id="{0DBEE353-9629-FD1B-C46E-16E79210B1FE}"/>
+                </a:ext>
+              </a:extLst>
+            </p:cNvPr>
+            <p:cNvSpPr/>
+            <p:nvPr/>
+          </p:nvSpPr>
+          <p:spPr>
+            <a:xfrm>
+              <a:off x="5750417" y="2295659"/>
+              <a:ext cx="1873876" cy="2266682"/>
+            </a:xfrm>
+            <a:prstGeom prst="roundRect">
+              <a:avLst/>
+            </a:prstGeom>
+            <a:solidFill>
+              <a:srgbClr val="6EC987"/>
+            </a:solidFill>
+            <a:ln>
+              <a:solidFill>
+                <a:srgbClr val="6EC987"/>
+              </a:solidFill>
+            </a:ln>
+          </p:spPr>
+          <p:style>
+            <a:lnRef idx="2">
+              <a:schemeClr val="accent1">
+                <a:shade val="50000"/>
+              </a:schemeClr>
+            </a:lnRef>
+            <a:fillRef idx="1">
+              <a:schemeClr val="accent1"/>
+            </a:fillRef>
+            <a:effectRef idx="0">
+              <a:schemeClr val="accent1"/>
+            </a:effectRef>
+            <a:fontRef idx="minor">
+              <a:schemeClr val="lt1"/>
+            </a:fontRef>
+          </p:style>
+          <p:txBody>
+            <a:bodyPr rtlCol="0" anchor="ctr"/>
+            <a:lstStyle/>
+            <a:p>
+              <a:pPr algn="ctr"/>
+              <a:endParaRPr lang="en-US"/>
+            </a:p>
+          </p:txBody>
+        </p:sp>
+        <p:sp>
+          <p:nvSpPr>
+            <p:cNvPr id="10" name="TextBox 9">
+              <a:extLst>
+                <a:ext uri="{FF2B5EF4-FFF2-40B4-BE49-F238E27FC236}">
+                  <a16:creationId xmlns:a16="http://schemas.microsoft.com/office/drawing/2014/main" id="{A63B8F55-1ECB-346D-34DE-05EDF77B8D56}"/>
+                </a:ext>
+              </a:extLst>
+            </p:cNvPr>
+            <p:cNvSpPr txBox="1"/>
+            <p:nvPr/>
+          </p:nvSpPr>
+          <p:spPr>
+            <a:xfrm>
+              <a:off x="5325313" y="2292391"/>
+              <a:ext cx="2724084" cy="507831"/>
+            </a:xfrm>
+            <a:prstGeom prst="rect">
+              <a:avLst/>
+            </a:prstGeom>
+            <a:noFill/>
+          </p:spPr>
+          <p:txBody>
+            <a:bodyPr wrap="square" rtlCol="0">
+              <a:spAutoFit/>
+            </a:bodyPr>
+            <a:lstStyle/>
+            <a:p>
+              <a:pPr algn="ctr"/>
+              <a:r>
+                <a:rPr lang="en-US" sz="1500" b="1" dirty="0">
+                  <a:solidFill>
+                    <a:schemeClr val="bg1"/>
+                  </a:solidFill>
+                  <a:latin typeface="Avenir Heavy" panose="02000503020000020003" pitchFamily="2" charset="0"/>
+                </a:rPr>
+                <a:t>vectors</a:t>
+              </a:r>
+            </a:p>
+            <a:p>
+              <a:pPr algn="ctr"/>
+              <a:r>
+                <a:rPr lang="en-US" sz="1200" dirty="0">
+                  <a:solidFill>
+                    <a:schemeClr val="bg1"/>
+                  </a:solidFill>
+                  <a:latin typeface="Avenir" panose="02000503020000020003" pitchFamily="2" charset="0"/>
+                </a:rPr>
+                <a:t>[3,5]</a:t>
+              </a:r>
+            </a:p>
+          </p:txBody>
+        </p:sp>
+        <p:cxnSp>
+          <p:nvCxnSpPr>
+            <p:cNvPr id="12" name="Straight Arrow Connector 11">
+              <a:extLst>
+                <a:ext uri="{FF2B5EF4-FFF2-40B4-BE49-F238E27FC236}">
+                  <a16:creationId xmlns:a16="http://schemas.microsoft.com/office/drawing/2014/main" id="{CF28A50F-531D-4878-9DB1-21C188E194AA}"/>
+                </a:ext>
+              </a:extLst>
+            </p:cNvPr>
+            <p:cNvCxnSpPr/>
+            <p:nvPr/>
+          </p:nvCxnSpPr>
+          <p:spPr>
+            <a:xfrm flipV="1">
+              <a:off x="5750417" y="2800222"/>
+              <a:ext cx="0" cy="1445013"/>
+            </a:xfrm>
+            <a:prstGeom prst="straightConnector1">
+              <a:avLst/>
+            </a:prstGeom>
+            <a:ln w="38100">
+              <a:solidFill>
+                <a:schemeClr val="bg1"/>
+              </a:solidFill>
+              <a:tailEnd type="triangle"/>
+            </a:ln>
+          </p:spPr>
+          <p:style>
+            <a:lnRef idx="1">
+              <a:schemeClr val="accent1"/>
+            </a:lnRef>
+            <a:fillRef idx="0">
+              <a:schemeClr val="accent1"/>
+            </a:fillRef>
+            <a:effectRef idx="0">
+              <a:schemeClr val="accent1"/>
+            </a:effectRef>
+            <a:fontRef idx="minor">
+              <a:schemeClr val="tx1"/>
+            </a:fontRef>
+          </p:style>
+        </p:cxnSp>
+        <p:cxnSp>
+          <p:nvCxnSpPr>
+            <p:cNvPr id="13" name="Straight Arrow Connector 12">
+              <a:extLst>
+                <a:ext uri="{FF2B5EF4-FFF2-40B4-BE49-F238E27FC236}">
+                  <a16:creationId xmlns:a16="http://schemas.microsoft.com/office/drawing/2014/main" id="{8CFC0349-C82B-37D4-E6FB-70D018E4EFB0}"/>
+                </a:ext>
+              </a:extLst>
+            </p:cNvPr>
+            <p:cNvCxnSpPr>
+              <a:cxnSpLocks/>
+            </p:cNvCxnSpPr>
+            <p:nvPr/>
+          </p:nvCxnSpPr>
+          <p:spPr>
+            <a:xfrm>
+              <a:off x="5750417" y="4232356"/>
+              <a:ext cx="1721476" cy="0"/>
+            </a:xfrm>
+            <a:prstGeom prst="straightConnector1">
+              <a:avLst/>
+            </a:prstGeom>
+            <a:ln w="38100">
+              <a:solidFill>
+                <a:schemeClr val="bg1"/>
+              </a:solidFill>
+              <a:tailEnd type="triangle"/>
+            </a:ln>
+          </p:spPr>
+          <p:style>
+            <a:lnRef idx="1">
+              <a:schemeClr val="accent1"/>
+            </a:lnRef>
+            <a:fillRef idx="0">
+              <a:schemeClr val="accent1"/>
+            </a:fillRef>
+            <a:effectRef idx="0">
+              <a:schemeClr val="accent1"/>
+            </a:effectRef>
+            <a:fontRef idx="minor">
+              <a:schemeClr val="tx1"/>
+            </a:fontRef>
+          </p:style>
+        </p:cxnSp>
+        <p:cxnSp>
+          <p:nvCxnSpPr>
+            <p:cNvPr id="15" name="Straight Arrow Connector 14">
+              <a:extLst>
+                <a:ext uri="{FF2B5EF4-FFF2-40B4-BE49-F238E27FC236}">
+                  <a16:creationId xmlns:a16="http://schemas.microsoft.com/office/drawing/2014/main" id="{C0220DCC-1CF1-9418-6E7D-E2457F1905D9}"/>
+                </a:ext>
+              </a:extLst>
+            </p:cNvPr>
+            <p:cNvCxnSpPr>
+              <a:cxnSpLocks/>
+            </p:cNvCxnSpPr>
+            <p:nvPr/>
+          </p:nvCxnSpPr>
+          <p:spPr>
+            <a:xfrm flipV="1">
+              <a:off x="5778474" y="3317956"/>
+              <a:ext cx="802630" cy="899438"/>
+            </a:xfrm>
+            <a:prstGeom prst="straightConnector1">
+              <a:avLst/>
+            </a:prstGeom>
+            <a:ln w="38100">
+              <a:solidFill>
+                <a:schemeClr val="bg1"/>
+              </a:solidFill>
+              <a:prstDash val="sysDot"/>
+              <a:tailEnd type="triangle"/>
+            </a:ln>
+          </p:spPr>
+          <p:style>
+            <a:lnRef idx="1">
+              <a:schemeClr val="accent1"/>
+            </a:lnRef>
+            <a:fillRef idx="0">
+              <a:schemeClr val="accent1"/>
+            </a:fillRef>
+            <a:effectRef idx="0">
+              <a:schemeClr val="accent1"/>
+            </a:effectRef>
+            <a:fontRef idx="minor">
+              <a:schemeClr val="tx1"/>
+            </a:fontRef>
+          </p:style>
+        </p:cxnSp>
+        <p:sp>
+          <p:nvSpPr>
+            <p:cNvPr id="20" name="Oval 19">
+              <a:extLst>
+                <a:ext uri="{FF2B5EF4-FFF2-40B4-BE49-F238E27FC236}">
+                  <a16:creationId xmlns:a16="http://schemas.microsoft.com/office/drawing/2014/main" id="{F8D355FF-074E-A824-8A80-176C853A54C7}"/>
+                </a:ext>
+              </a:extLst>
+            </p:cNvPr>
+            <p:cNvSpPr/>
+            <p:nvPr/>
+          </p:nvSpPr>
+          <p:spPr>
+            <a:xfrm>
+              <a:off x="6561937" y="3091078"/>
+              <a:ext cx="225281" cy="225281"/>
+            </a:xfrm>
+            <a:prstGeom prst="ellipse">
+              <a:avLst/>
+            </a:prstGeom>
+            <a:solidFill>
+              <a:schemeClr val="bg1"/>
+            </a:solidFill>
+            <a:ln>
+              <a:noFill/>
+            </a:ln>
+          </p:spPr>
+          <p:style>
+            <a:lnRef idx="2">
+              <a:schemeClr val="accent1">
+                <a:shade val="50000"/>
+              </a:schemeClr>
+            </a:lnRef>
+            <a:fillRef idx="1">
+              <a:schemeClr val="accent1"/>
+            </a:fillRef>
+            <a:effectRef idx="0">
+              <a:schemeClr val="accent1"/>
+            </a:effectRef>
+            <a:fontRef idx="minor">
+              <a:schemeClr val="lt1"/>
+            </a:fontRef>
+          </p:style>
+          <p:txBody>
+            <a:bodyPr rtlCol="0" anchor="ctr"/>
+            <a:lstStyle/>
+            <a:p>
+              <a:pPr algn="ctr"/>
+              <a:r>
+                <a:rPr lang="en-US" dirty="0"/>
+                <a:t> </a:t>
+              </a:r>
+            </a:p>
+          </p:txBody>
+        </p:sp>
+        <p:sp>
+          <p:nvSpPr>
+            <p:cNvPr id="21" name="TextBox 20">
+              <a:extLst>
+                <a:ext uri="{FF2B5EF4-FFF2-40B4-BE49-F238E27FC236}">
+                  <a16:creationId xmlns:a16="http://schemas.microsoft.com/office/drawing/2014/main" id="{5B5798EF-7608-8138-D230-3789E25D0D7D}"/>
+                </a:ext>
+              </a:extLst>
+            </p:cNvPr>
+            <p:cNvSpPr txBox="1"/>
+            <p:nvPr/>
+          </p:nvSpPr>
+          <p:spPr>
+            <a:xfrm>
+              <a:off x="6149610" y="4258114"/>
+              <a:ext cx="1062610" cy="307777"/>
+            </a:xfrm>
+            <a:prstGeom prst="rect">
+              <a:avLst/>
+            </a:prstGeom>
+            <a:noFill/>
+          </p:spPr>
+          <p:txBody>
+            <a:bodyPr wrap="square" rtlCol="0">
+              <a:spAutoFit/>
+            </a:bodyPr>
+            <a:lstStyle/>
+            <a:p>
+              <a:pPr algn="ctr"/>
+              <a:r>
+                <a:rPr lang="en-US" sz="1400" b="1" dirty="0">
+                  <a:solidFill>
+                    <a:schemeClr val="bg1"/>
+                  </a:solidFill>
+                  <a:latin typeface="Avenir Black" panose="02000503020000020003" pitchFamily="2" charset="0"/>
+                </a:rPr>
+                <a:t>3</a:t>
+              </a:r>
+            </a:p>
+          </p:txBody>
+        </p:sp>
+      </p:grpSp>
+      <p:sp>
+        <p:nvSpPr>
+          <p:cNvPr id="22" name="TextBox 21">
+            <a:extLst>
+              <a:ext uri="{FF2B5EF4-FFF2-40B4-BE49-F238E27FC236}">
+                <a16:creationId xmlns:a16="http://schemas.microsoft.com/office/drawing/2014/main" id="{E77B06F3-BA68-30BF-B256-BB28E9408602}"/>
+              </a:ext>
+            </a:extLst>
+          </p:cNvPr>
+          <p:cNvSpPr txBox="1"/>
+          <p:nvPr/>
+        </p:nvSpPr>
+        <p:spPr>
+          <a:xfrm>
+            <a:off x="5064564" y="3121222"/>
+            <a:ext cx="1062610" cy="307777"/>
+          </a:xfrm>
+          <a:prstGeom prst="rect">
+            <a:avLst/>
+          </a:prstGeom>
+          <a:noFill/>
+        </p:spPr>
+        <p:txBody>
+          <a:bodyPr wrap="square" rtlCol="0">
+            <a:spAutoFit/>
+          </a:bodyPr>
+          <a:lstStyle/>
+          <a:p>
+            <a:pPr algn="ctr"/>
+            <a:r>
+              <a:rPr lang="en-US" sz="1400" b="1" dirty="0">
+                <a:solidFill>
+                  <a:schemeClr val="bg1"/>
+                </a:solidFill>
+                <a:latin typeface="Avenir Black" panose="02000503020000020003" pitchFamily="2" charset="0"/>
+              </a:rPr>
+              <a:t>5</a:t>
+            </a:r>
+          </a:p>
+        </p:txBody>
+      </p:sp>
+    </p:spTree>
+    <p:extLst>
+      <p:ext uri="{BB962C8B-B14F-4D97-AF65-F5344CB8AC3E}">
+        <p14:creationId xmlns:p14="http://schemas.microsoft.com/office/powerpoint/2010/main" val="1493553597"/>
+      </p:ext>
+    </p:extLst>
+  </p:cSld>
+  <p:clrMapOvr>
+    <a:masterClrMapping/>
+  </p:clrMapOvr>
+  <mc:AlternateContent xmlns:mc="http://schemas.openxmlformats.org/markup-compatibility/2006" xmlns:p14="http://schemas.microsoft.com/office/powerpoint/2010/main">
+    <mc:Choice Requires="p14">
+      <p:transition spd="med" p14:dur="700">
+        <p:fade/>
+      </p:transition>
+    </mc:Choice>
+    <mc:Fallback xmlns="">
+      <p:transition spd="med">
+        <p:fade/>
+      </p:transition>
+    </mc:Fallback>
+  </mc:AlternateContent>
+  <p:timing>
+    <p:tnLst>
+      <p:par>
+        <p:cTn id="1" dur="indefinite" restart="never" nodeType="tmRoot">
+          <p:childTnLst>
+            <p:seq concurrent="1" nextAc="seek">
+              <p:cTn id="2" dur="indefinite" nodeType="mainSeq">
+                <p:childTnLst>
+                  <p:par>
+                    <p:cTn id="3" fill="hold">
+                      <p:stCondLst>
+                        <p:cond delay="indefinite"/>
+                      </p:stCondLst>
+                      <p:childTnLst>
+                        <p:par>
+                          <p:cTn id="4" fill="hold">
+                            <p:stCondLst>
+                              <p:cond delay="0"/>
+                            </p:stCondLst>
+                            <p:childTnLst>
+                              <p:par>
+                                <p:cTn id="5" presetID="1" presetClass="entr" presetSubtype="0" fill="hold" nodeType="clickEffect">
+                                  <p:stCondLst>
+                                    <p:cond delay="0"/>
+                                  </p:stCondLst>
+                                  <p:childTnLst>
+                                    <p:set>
+                                      <p:cBhvr>
+                                        <p:cTn id="6" dur="1" fill="hold">
+                                          <p:stCondLst>
+                                            <p:cond delay="0"/>
+                                          </p:stCondLst>
+                                        </p:cTn>
+                                        <p:tgtEl>
+                                          <p:spTgt spid="23"/>
+                                        </p:tgtEl>
+                                        <p:attrNameLst>
+                                          <p:attrName>style.visibility</p:attrName>
+                                        </p:attrNameLst>
+                                      </p:cBhvr>
+                                      <p:to>
+                                        <p:strVal val="visible"/>
+                                      </p:to>
+                                    </p:set>
+                                  </p:childTnLst>
+                                </p:cTn>
+                              </p:par>
+                            </p:childTnLst>
+                          </p:cTn>
+                        </p:par>
+                      </p:childTnLst>
+                    </p:cTn>
+                  </p:par>
+                </p:childTnLst>
+              </p:cTn>
+              <p:prevCondLst>
+                <p:cond evt="onPrev" delay="0">
+                  <p:tgtEl>
+                    <p:sldTgt/>
+                  </p:tgtEl>
+                </p:cond>
+              </p:prevCondLst>
+              <p:nextCondLst>
+                <p:cond evt="onNext" delay="0">
+                  <p:tgtEl>
+                    <p:sldTgt/>
+                  </p:tgtEl>
+                </p:cond>
+              </p:nextCondLst>
+            </p:seq>
+          </p:childTnLst>
+        </p:cTn>
+      </p:par>
+    </p:tnLst>
+  </p:timing>
+</p:sld>
+</file>
+
+<file path=ppt/slides/slide6.xml><?xml version="1.0" encoding="utf-8"?>
+<p:sld xmlns:a="http://schemas.openxmlformats.org/drawingml/2006/main" xmlns:r="http://schemas.openxmlformats.org/officeDocument/2006/relationships" xmlns:p="http://schemas.openxmlformats.org/presentationml/2006/main">
+  <p:cSld>
+    <p:spTree>
+      <p:nvGrpSpPr>
+        <p:cNvPr id="1" name=""/>
+        <p:cNvGrpSpPr/>
+        <p:nvPr/>
+      </p:nvGrpSpPr>
+      <p:grpSpPr>
+        <a:xfrm>
+          <a:off x="0" y="0"/>
+          <a:ext cx="0" cy="0"/>
+          <a:chOff x="0" y="0"/>
+          <a:chExt cx="0" cy="0"/>
+        </a:xfrm>
+      </p:grpSpPr>
+      <p:pic>
+        <p:nvPicPr>
+          <p:cNvPr id="3" name="Picture 2">
+            <a:extLst>
+              <a:ext uri="{FF2B5EF4-FFF2-40B4-BE49-F238E27FC236}">
+                <a16:creationId xmlns:a16="http://schemas.microsoft.com/office/drawing/2014/main" id="{4E3D2209-EBCE-4BD6-9F05-CB20E635C1D2}"/>
+              </a:ext>
+            </a:extLst>
+          </p:cNvPr>
+          <p:cNvPicPr/>
+          <p:nvPr/>
+        </p:nvPicPr>
+        <p:blipFill>
+          <a:blip r:embed="rId3">
+            <a:duotone>
+              <a:schemeClr val="accent5">
+                <a:shade val="45000"/>
+                <a:satMod val="135000"/>
+              </a:schemeClr>
+              <a:prstClr val="white"/>
+            </a:duotone>
+            <a:extLst>
+              <a:ext uri="{BEBA8EAE-BF5A-486C-A8C5-ECC9F3942E4B}">
+                <a14:imgProps xmlns:a14="http://schemas.microsoft.com/office/drawing/2010/main">
+                  <a14:imgLayer r:embed="rId4">
+                    <a14:imgEffect>
+                      <a14:colorTemperature colorTemp="5898"/>
+                    </a14:imgEffect>
+                    <a14:imgEffect>
+                      <a14:saturation sat="193000"/>
+                    </a14:imgEffect>
+                    <a14:imgEffect>
+                      <a14:brightnessContrast contrast="40000"/>
+                    </a14:imgEffect>
+                  </a14:imgLayer>
+                </a14:imgProps>
+              </a:ext>
+            </a:extLst>
+          </a:blip>
+          <a:stretch>
+            <a:fillRect/>
+          </a:stretch>
+        </p:blipFill>
+        <p:spPr>
+          <a:xfrm>
+            <a:off x="3819525" y="1552575"/>
+            <a:ext cx="4552950" cy="3752850"/>
+          </a:xfrm>
+          <a:prstGeom prst="rect">
+            <a:avLst/>
+          </a:prstGeom>
+        </p:spPr>
+      </p:pic>
+      <p:sp>
+        <p:nvSpPr>
+          <p:cNvPr id="2" name="Rectangle 1">
+            <a:extLst>
+              <a:ext uri="{FF2B5EF4-FFF2-40B4-BE49-F238E27FC236}">
+                <a16:creationId xmlns:a16="http://schemas.microsoft.com/office/drawing/2014/main" id="{8FC401E8-5DCA-807E-08AE-6CBC6D529BE1}"/>
+              </a:ext>
+            </a:extLst>
+          </p:cNvPr>
+          <p:cNvSpPr/>
+          <p:nvPr/>
+        </p:nvSpPr>
+        <p:spPr>
+          <a:xfrm>
+            <a:off x="4020671" y="3818965"/>
+            <a:ext cx="927847" cy="564776"/>
+          </a:xfrm>
+          <a:prstGeom prst="rect">
+            <a:avLst/>
+          </a:prstGeom>
+          <a:solidFill>
+            <a:srgbClr val="3873AA"/>
+          </a:solidFill>
+          <a:ln>
+            <a:noFill/>
+          </a:ln>
+        </p:spPr>
+        <p:style>
+          <a:lnRef idx="2">
+            <a:schemeClr val="accent1">
+              <a:shade val="50000"/>
+            </a:schemeClr>
+          </a:lnRef>
+          <a:fillRef idx="1">
+            <a:schemeClr val="accent1"/>
+          </a:fillRef>
+          <a:effectRef idx="0">
+            <a:schemeClr val="accent1"/>
+          </a:effectRef>
+          <a:fontRef idx="minor">
+            <a:schemeClr val="lt1"/>
+          </a:fontRef>
+        </p:style>
+        <p:txBody>
+          <a:bodyPr rtlCol="0" anchor="ctr"/>
+          <a:lstStyle/>
+          <a:p>
+            <a:pPr algn="ctr"/>
+            <a:endParaRPr lang="en-US"/>
+          </a:p>
+        </p:txBody>
+      </p:sp>
+      <p:sp>
+        <p:nvSpPr>
+          <p:cNvPr id="4" name="Rectangle 3">
+            <a:extLst>
+              <a:ext uri="{FF2B5EF4-FFF2-40B4-BE49-F238E27FC236}">
+                <a16:creationId xmlns:a16="http://schemas.microsoft.com/office/drawing/2014/main" id="{E33FDAA7-9765-ACF4-55F9-E6E56FA04B70}"/>
+              </a:ext>
+            </a:extLst>
+          </p:cNvPr>
+          <p:cNvSpPr/>
+          <p:nvPr/>
+        </p:nvSpPr>
+        <p:spPr>
+          <a:xfrm>
+            <a:off x="5262283" y="2689412"/>
+            <a:ext cx="1582270" cy="421340"/>
+          </a:xfrm>
+          <a:prstGeom prst="rect">
+            <a:avLst/>
+          </a:prstGeom>
+          <a:solidFill>
+            <a:srgbClr val="3873AA"/>
+          </a:solidFill>
+          <a:ln>
+            <a:noFill/>
+          </a:ln>
+        </p:spPr>
+        <p:style>
+          <a:lnRef idx="2">
+            <a:schemeClr val="accent1">
+              <a:shade val="50000"/>
+            </a:schemeClr>
+          </a:lnRef>
+          <a:fillRef idx="1">
+            <a:schemeClr val="accent1"/>
+          </a:fillRef>
+          <a:effectRef idx="0">
+            <a:schemeClr val="accent1"/>
+          </a:effectRef>
+          <a:fontRef idx="minor">
+            <a:schemeClr val="lt1"/>
+          </a:fontRef>
+        </p:style>
+        <p:txBody>
+          <a:bodyPr rtlCol="0" anchor="ctr"/>
+          <a:lstStyle/>
+          <a:p>
+            <a:pPr algn="ctr"/>
+            <a:endParaRPr lang="en-US"/>
+          </a:p>
+        </p:txBody>
+      </p:sp>
+    </p:spTree>
+    <p:extLst>
+      <p:ext uri="{BB962C8B-B14F-4D97-AF65-F5344CB8AC3E}">
+        <p14:creationId xmlns:p14="http://schemas.microsoft.com/office/powerpoint/2010/main" val="1609111425"/>
+      </p:ext>
+    </p:extLst>
+  </p:cSld>
+  <p:clrMapOvr>
+    <a:masterClrMapping/>
+  </p:clrMapOvr>
+  <mc:AlternateContent xmlns:mc="http://schemas.openxmlformats.org/markup-compatibility/2006" xmlns:p14="http://schemas.microsoft.com/office/powerpoint/2010/main">
+    <mc:Choice Requires="p14">
+      <p:transition spd="med" p14:dur="700">
+        <p:fade/>
+      </p:transition>
+    </mc:Choice>
+    <mc:Fallback xmlns="">
+      <p:transition spd="med">
+        <p:fade/>
+      </p:transition>
+    </mc:Fallback>
+  </mc:AlternateContent>
+  <p:timing>
+    <p:tnLst>
+      <p:par>
+        <p:cTn id="1" dur="indefinite" restart="never" nodeType="tmRoot">
+          <p:childTnLst>
+            <p:seq concurrent="1" nextAc="seek">
+              <p:cTn id="2" dur="indefinite" nodeType="mainSeq">
+                <p:childTnLst>
+                  <p:par>
+                    <p:cTn id="3" fill="hold">
+                      <p:stCondLst>
+                        <p:cond delay="indefinite"/>
+                      </p:stCondLst>
+                      <p:childTnLst>
+                        <p:par>
+                          <p:cTn id="4" fill="hold">
+                            <p:stCondLst>
+                              <p:cond delay="0"/>
+                            </p:stCondLst>
+                            <p:childTnLst>
+                              <p:par>
+                                <p:cTn id="5" presetID="1" presetClass="exit" presetSubtype="0" fill="hold" grpId="0" nodeType="clickEffect">
+                                  <p:stCondLst>
+                                    <p:cond delay="0"/>
+                                  </p:stCondLst>
+                                  <p:childTnLst>
+                                    <p:set>
+                                      <p:cBhvr>
+                                        <p:cTn id="6" dur="1" fill="hold">
+                                          <p:stCondLst>
+                                            <p:cond delay="0"/>
+                                          </p:stCondLst>
+                                        </p:cTn>
+                                        <p:tgtEl>
+                                          <p:spTgt spid="2"/>
+                                        </p:tgtEl>
+                                        <p:attrNameLst>
+                                          <p:attrName>style.visibility</p:attrName>
+                                        </p:attrNameLst>
+                                      </p:cBhvr>
+                                      <p:to>
+                                        <p:strVal val="hidden"/>
+                                      </p:to>
+                                    </p:set>
+                                  </p:childTnLst>
+                                </p:cTn>
+                              </p:par>
+                            </p:childTnLst>
+                          </p:cTn>
+                        </p:par>
+                      </p:childTnLst>
+                    </p:cTn>
+                  </p:par>
+                  <p:par>
+                    <p:cTn id="7" fill="hold">
+                      <p:stCondLst>
+                        <p:cond delay="indefinite"/>
+                      </p:stCondLst>
+                      <p:childTnLst>
+                        <p:par>
+                          <p:cTn id="8" fill="hold">
+                            <p:stCondLst>
+                              <p:cond delay="0"/>
+                            </p:stCondLst>
+                            <p:childTnLst>
+                              <p:par>
+                                <p:cTn id="9" presetID="1" presetClass="exit" presetSubtype="0" fill="hold" grpId="0" nodeType="clickEffect">
+                                  <p:stCondLst>
+                                    <p:cond delay="0"/>
+                                  </p:stCondLst>
+                                  <p:childTnLst>
+                                    <p:set>
+                                      <p:cBhvr>
+                                        <p:cTn id="10" dur="1" fill="hold">
+                                          <p:stCondLst>
+                                            <p:cond delay="0"/>
+                                          </p:stCondLst>
+                                        </p:cTn>
+                                        <p:tgtEl>
+                                          <p:spTgt spid="4"/>
+                                        </p:tgtEl>
+                                        <p:attrNameLst>
+                                          <p:attrName>style.visibility</p:attrName>
+                                        </p:attrNameLst>
+                                      </p:cBhvr>
+                                      <p:to>
+                                        <p:strVal val="hidden"/>
+                                      </p:to>
+                                    </p:set>
+                                  </p:childTnLst>
+                                </p:cTn>
+                              </p:par>
+                            </p:childTnLst>
+                          </p:cTn>
+                        </p:par>
+                      </p:childTnLst>
+                    </p:cTn>
+                  </p:par>
+                </p:childTnLst>
+              </p:cTn>
+              <p:prevCondLst>
+                <p:cond evt="onPrev" delay="0">
+                  <p:tgtEl>
+                    <p:sldTgt/>
+                  </p:tgtEl>
+                </p:cond>
+              </p:prevCondLst>
+              <p:nextCondLst>
+                <p:cond evt="onNext" delay="0">
+                  <p:tgtEl>
+                    <p:sldTgt/>
+                  </p:tgtEl>
+                </p:cond>
+              </p:nextCondLst>
+            </p:seq>
+          </p:childTnLst>
+        </p:cTn>
+      </p:par>
+    </p:tnLst>
+    <p:bldLst>
+      <p:bldP spid="2" grpId="0" animBg="1"/>
+      <p:bldP spid="4" grpId="0" animBg="1"/>
+    </p:bldLst>
+  </p:timing>
+</p:sld>
+</file>
+
+<file path=ppt/slides/slide7.xml><?xml version="1.0" encoding="utf-8"?>
+<p:sld xmlns:a="http://schemas.openxmlformats.org/drawingml/2006/main" xmlns:r="http://schemas.openxmlformats.org/officeDocument/2006/relationships" xmlns:p="http://schemas.openxmlformats.org/presentationml/2006/main">
+  <p:cSld>
+    <p:spTree>
+      <p:nvGrpSpPr>
+        <p:cNvPr id="1" name=""/>
+        <p:cNvGrpSpPr/>
+        <p:nvPr/>
+      </p:nvGrpSpPr>
+      <p:grpSpPr>
+        <a:xfrm>
+          <a:off x="0" y="0"/>
+          <a:ext cx="0" cy="0"/>
+          <a:chOff x="0" y="0"/>
+          <a:chExt cx="0" cy="0"/>
+        </a:xfrm>
+      </p:grpSpPr>
+      <p:pic>
+        <p:nvPicPr>
+          <p:cNvPr id="4" name="Picture 3">
+            <a:extLst>
+              <a:ext uri="{FF2B5EF4-FFF2-40B4-BE49-F238E27FC236}">
+                <a16:creationId xmlns:a16="http://schemas.microsoft.com/office/drawing/2014/main" id="{FECF48BD-3C14-44DE-B7EB-9450ABC839D2}"/>
+              </a:ext>
+            </a:extLst>
+          </p:cNvPr>
+          <p:cNvPicPr/>
+          <p:nvPr/>
+        </p:nvPicPr>
+        <p:blipFill>
+          <a:blip r:embed="rId3">
+            <a:duotone>
+              <a:schemeClr val="accent5">
+                <a:shade val="45000"/>
+                <a:satMod val="135000"/>
+              </a:schemeClr>
+              <a:prstClr val="white"/>
+            </a:duotone>
+            <a:extLst>
+              <a:ext uri="{BEBA8EAE-BF5A-486C-A8C5-ECC9F3942E4B}">
+                <a14:imgProps xmlns:a14="http://schemas.microsoft.com/office/drawing/2010/main">
+                  <a14:imgLayer r:embed="rId4">
+                    <a14:imgEffect>
+                      <a14:colorTemperature colorTemp="4081"/>
+                    </a14:imgEffect>
+                    <a14:imgEffect>
+                      <a14:saturation sat="167000"/>
+                    </a14:imgEffect>
+                    <a14:imgEffect>
+                      <a14:brightnessContrast contrast="29000"/>
+                    </a14:imgEffect>
+                  </a14:imgLayer>
+                </a14:imgProps>
+              </a:ext>
+            </a:extLst>
+          </a:blip>
+          <a:stretch>
+            <a:fillRect/>
+          </a:stretch>
+        </p:blipFill>
+        <p:spPr>
+          <a:xfrm>
+            <a:off x="3819525" y="1543050"/>
+            <a:ext cx="4552950" cy="3771900"/>
+          </a:xfrm>
+          <a:prstGeom prst="rect">
+            <a:avLst/>
+          </a:prstGeom>
+        </p:spPr>
+      </p:pic>
+      <p:grpSp>
+        <p:nvGrpSpPr>
+          <p:cNvPr id="5" name="Group 4">
+            <a:extLst>
+              <a:ext uri="{FF2B5EF4-FFF2-40B4-BE49-F238E27FC236}">
+                <a16:creationId xmlns:a16="http://schemas.microsoft.com/office/drawing/2014/main" id="{2FCC3C6A-15BB-5E24-BCA1-8F84EEB9B392}"/>
+              </a:ext>
+            </a:extLst>
+          </p:cNvPr>
+          <p:cNvGrpSpPr/>
+          <p:nvPr/>
+        </p:nvGrpSpPr>
+        <p:grpSpPr>
+          <a:xfrm>
+            <a:off x="5208489" y="2824654"/>
+            <a:ext cx="1802521" cy="1636890"/>
+            <a:chOff x="5422366" y="3014133"/>
+            <a:chExt cx="1802521" cy="1636890"/>
+          </a:xfrm>
+          <a:solidFill>
+            <a:srgbClr val="417AAC"/>
+          </a:solidFill>
+        </p:grpSpPr>
+        <p:sp>
+          <p:nvSpPr>
+            <p:cNvPr id="2" name="Rectangle 1">
+              <a:extLst>
+                <a:ext uri="{FF2B5EF4-FFF2-40B4-BE49-F238E27FC236}">
+                  <a16:creationId xmlns:a16="http://schemas.microsoft.com/office/drawing/2014/main" id="{A6A4075A-0FCA-DB1A-4E88-99B559648BD1}"/>
+                </a:ext>
+              </a:extLst>
+            </p:cNvPr>
+            <p:cNvSpPr/>
+            <p:nvPr/>
+          </p:nvSpPr>
+          <p:spPr>
+            <a:xfrm>
+              <a:off x="5422367" y="3014133"/>
+              <a:ext cx="323676" cy="1636890"/>
+            </a:xfrm>
+            <a:prstGeom prst="rect">
+              <a:avLst/>
+            </a:prstGeom>
+            <a:grpFill/>
+            <a:ln>
+              <a:noFill/>
+            </a:ln>
+          </p:spPr>
+          <p:style>
+            <a:lnRef idx="2">
+              <a:schemeClr val="accent1">
+                <a:shade val="50000"/>
+              </a:schemeClr>
+            </a:lnRef>
+            <a:fillRef idx="1">
+              <a:schemeClr val="accent1"/>
+            </a:fillRef>
+            <a:effectRef idx="0">
+              <a:schemeClr val="accent1"/>
+            </a:effectRef>
+            <a:fontRef idx="minor">
+              <a:schemeClr val="lt1"/>
+            </a:fontRef>
+          </p:style>
+          <p:txBody>
+            <a:bodyPr rtlCol="0" anchor="ctr"/>
+            <a:lstStyle/>
+            <a:p>
+              <a:pPr algn="ctr"/>
+              <a:endParaRPr lang="en-US" dirty="0"/>
+            </a:p>
+          </p:txBody>
+        </p:sp>
+        <p:sp>
+          <p:nvSpPr>
+            <p:cNvPr id="3" name="Rectangle 2">
+              <a:extLst>
+                <a:ext uri="{FF2B5EF4-FFF2-40B4-BE49-F238E27FC236}">
+                  <a16:creationId xmlns:a16="http://schemas.microsoft.com/office/drawing/2014/main" id="{D76969CF-2C54-103C-28EB-6B00F021D050}"/>
+                </a:ext>
+              </a:extLst>
+            </p:cNvPr>
+            <p:cNvSpPr/>
+            <p:nvPr/>
+          </p:nvSpPr>
+          <p:spPr>
+            <a:xfrm rot="5400000">
+              <a:off x="6183927" y="2342883"/>
+              <a:ext cx="279400" cy="1802521"/>
+            </a:xfrm>
+            <a:prstGeom prst="rect">
+              <a:avLst/>
+            </a:prstGeom>
+            <a:grpFill/>
+            <a:ln>
+              <a:noFill/>
+            </a:ln>
+          </p:spPr>
+          <p:style>
+            <a:lnRef idx="2">
+              <a:schemeClr val="accent1">
+                <a:shade val="50000"/>
+              </a:schemeClr>
+            </a:lnRef>
+            <a:fillRef idx="1">
+              <a:schemeClr val="accent1"/>
+            </a:fillRef>
+            <a:effectRef idx="0">
+              <a:schemeClr val="accent1"/>
+            </a:effectRef>
+            <a:fontRef idx="minor">
+              <a:schemeClr val="lt1"/>
+            </a:fontRef>
+          </p:style>
+          <p:txBody>
+            <a:bodyPr rtlCol="0" anchor="ctr"/>
+            <a:lstStyle/>
+            <a:p>
+              <a:pPr algn="ctr"/>
+              <a:endParaRPr lang="en-US" dirty="0"/>
+            </a:p>
+          </p:txBody>
+        </p:sp>
+      </p:grpSp>
+      <p:grpSp>
+        <p:nvGrpSpPr>
+          <p:cNvPr id="6" name="Group 5">
+            <a:extLst>
+              <a:ext uri="{FF2B5EF4-FFF2-40B4-BE49-F238E27FC236}">
+                <a16:creationId xmlns:a16="http://schemas.microsoft.com/office/drawing/2014/main" id="{395E8A0B-7406-76E0-A9F5-350962BB9724}"/>
+              </a:ext>
+            </a:extLst>
+          </p:cNvPr>
+          <p:cNvGrpSpPr/>
+          <p:nvPr/>
+        </p:nvGrpSpPr>
+        <p:grpSpPr>
+          <a:xfrm>
+            <a:off x="5275431" y="2882398"/>
+            <a:ext cx="1802521" cy="1636890"/>
+            <a:chOff x="5422366" y="3014133"/>
+            <a:chExt cx="1802521" cy="1636890"/>
+          </a:xfrm>
+          <a:solidFill>
+            <a:srgbClr val="417AAC"/>
+          </a:solidFill>
+        </p:grpSpPr>
+        <p:sp>
+          <p:nvSpPr>
+            <p:cNvPr id="7" name="Rectangle 6">
+              <a:extLst>
+                <a:ext uri="{FF2B5EF4-FFF2-40B4-BE49-F238E27FC236}">
+                  <a16:creationId xmlns:a16="http://schemas.microsoft.com/office/drawing/2014/main" id="{CB90166F-546D-C020-1058-820AB5EB1FEC}"/>
+                </a:ext>
+              </a:extLst>
+            </p:cNvPr>
+            <p:cNvSpPr/>
+            <p:nvPr/>
+          </p:nvSpPr>
+          <p:spPr>
+            <a:xfrm>
+              <a:off x="5422367" y="3014133"/>
+              <a:ext cx="323676" cy="1636890"/>
+            </a:xfrm>
+            <a:prstGeom prst="rect">
+              <a:avLst/>
+            </a:prstGeom>
+            <a:grpFill/>
+            <a:ln>
+              <a:noFill/>
+            </a:ln>
+          </p:spPr>
+          <p:style>
+            <a:lnRef idx="2">
+              <a:schemeClr val="accent1">
+                <a:shade val="50000"/>
+              </a:schemeClr>
+            </a:lnRef>
+            <a:fillRef idx="1">
+              <a:schemeClr val="accent1"/>
+            </a:fillRef>
+            <a:effectRef idx="0">
+              <a:schemeClr val="accent1"/>
+            </a:effectRef>
+            <a:fontRef idx="minor">
+              <a:schemeClr val="lt1"/>
+            </a:fontRef>
+          </p:style>
+          <p:txBody>
+            <a:bodyPr rtlCol="0" anchor="ctr"/>
+            <a:lstStyle/>
+            <a:p>
+              <a:pPr algn="ctr"/>
+              <a:endParaRPr lang="en-US" dirty="0"/>
+            </a:p>
+          </p:txBody>
+        </p:sp>
+        <p:sp>
+          <p:nvSpPr>
+            <p:cNvPr id="8" name="Rectangle 7">
+              <a:extLst>
+                <a:ext uri="{FF2B5EF4-FFF2-40B4-BE49-F238E27FC236}">
+                  <a16:creationId xmlns:a16="http://schemas.microsoft.com/office/drawing/2014/main" id="{D82E1631-97D2-C440-A41B-2EB32C0A6843}"/>
+                </a:ext>
+              </a:extLst>
+            </p:cNvPr>
+            <p:cNvSpPr/>
+            <p:nvPr/>
+          </p:nvSpPr>
+          <p:spPr>
+            <a:xfrm rot="5400000">
+              <a:off x="6183927" y="2342883"/>
+              <a:ext cx="279400" cy="1802521"/>
+            </a:xfrm>
+            <a:prstGeom prst="rect">
+              <a:avLst/>
+            </a:prstGeom>
+            <a:grpFill/>
+            <a:ln>
+              <a:noFill/>
+            </a:ln>
+          </p:spPr>
+          <p:style>
+            <a:lnRef idx="2">
+              <a:schemeClr val="accent1">
+                <a:shade val="50000"/>
+              </a:schemeClr>
+            </a:lnRef>
+            <a:fillRef idx="1">
+              <a:schemeClr val="accent1"/>
+            </a:fillRef>
+            <a:effectRef idx="0">
+              <a:schemeClr val="accent1"/>
+            </a:effectRef>
+            <a:fontRef idx="minor">
+              <a:schemeClr val="lt1"/>
+            </a:fontRef>
+          </p:style>
+          <p:txBody>
+            <a:bodyPr rtlCol="0" anchor="ctr"/>
+            <a:lstStyle/>
+            <a:p>
+              <a:pPr algn="ctr"/>
+              <a:endParaRPr lang="en-US" dirty="0"/>
+            </a:p>
+          </p:txBody>
+        </p:sp>
+      </p:grpSp>
+      <p:grpSp>
+        <p:nvGrpSpPr>
+          <p:cNvPr id="9" name="Group 8">
+            <a:extLst>
+              <a:ext uri="{FF2B5EF4-FFF2-40B4-BE49-F238E27FC236}">
+                <a16:creationId xmlns:a16="http://schemas.microsoft.com/office/drawing/2014/main" id="{69210F7A-A1AB-E1BF-05F6-7C34B72FEB29}"/>
+              </a:ext>
+            </a:extLst>
+          </p:cNvPr>
+          <p:cNvGrpSpPr/>
+          <p:nvPr/>
+        </p:nvGrpSpPr>
+        <p:grpSpPr>
+          <a:xfrm>
+            <a:off x="5356124" y="2953892"/>
+            <a:ext cx="1802521" cy="1636890"/>
+            <a:chOff x="5422366" y="3014133"/>
+            <a:chExt cx="1802521" cy="1636890"/>
+          </a:xfrm>
+          <a:solidFill>
+            <a:srgbClr val="417AAC"/>
+          </a:solidFill>
+        </p:grpSpPr>
+        <p:sp>
+          <p:nvSpPr>
+            <p:cNvPr id="10" name="Rectangle 9">
+              <a:extLst>
+                <a:ext uri="{FF2B5EF4-FFF2-40B4-BE49-F238E27FC236}">
+                  <a16:creationId xmlns:a16="http://schemas.microsoft.com/office/drawing/2014/main" id="{DBCA00A6-EA8B-4719-3DD2-00CE85128C4E}"/>
+                </a:ext>
+              </a:extLst>
+            </p:cNvPr>
+            <p:cNvSpPr/>
+            <p:nvPr/>
+          </p:nvSpPr>
+          <p:spPr>
+            <a:xfrm>
+              <a:off x="5422367" y="3014133"/>
+              <a:ext cx="323676" cy="1636890"/>
+            </a:xfrm>
+            <a:prstGeom prst="rect">
+              <a:avLst/>
+            </a:prstGeom>
+            <a:grpFill/>
+            <a:ln>
+              <a:noFill/>
+            </a:ln>
+          </p:spPr>
+          <p:style>
+            <a:lnRef idx="2">
+              <a:schemeClr val="accent1">
+                <a:shade val="50000"/>
+              </a:schemeClr>
+            </a:lnRef>
+            <a:fillRef idx="1">
+              <a:schemeClr val="accent1"/>
+            </a:fillRef>
+            <a:effectRef idx="0">
+              <a:schemeClr val="accent1"/>
+            </a:effectRef>
+            <a:fontRef idx="minor">
+              <a:schemeClr val="lt1"/>
+            </a:fontRef>
+          </p:style>
+          <p:txBody>
+            <a:bodyPr rtlCol="0" anchor="ctr"/>
+            <a:lstStyle/>
+            <a:p>
+              <a:pPr algn="ctr"/>
+              <a:endParaRPr lang="en-US" dirty="0"/>
+            </a:p>
+          </p:txBody>
+        </p:sp>
+        <p:sp>
+          <p:nvSpPr>
+            <p:cNvPr id="11" name="Rectangle 10">
+              <a:extLst>
+                <a:ext uri="{FF2B5EF4-FFF2-40B4-BE49-F238E27FC236}">
+                  <a16:creationId xmlns:a16="http://schemas.microsoft.com/office/drawing/2014/main" id="{33E53E4E-6225-D3B1-5521-095010D698A5}"/>
+                </a:ext>
+              </a:extLst>
+            </p:cNvPr>
+            <p:cNvSpPr/>
+            <p:nvPr/>
+          </p:nvSpPr>
+          <p:spPr>
+            <a:xfrm rot="5400000">
+              <a:off x="6183927" y="2342883"/>
+              <a:ext cx="279400" cy="1802521"/>
+            </a:xfrm>
+            <a:prstGeom prst="rect">
+              <a:avLst/>
+            </a:prstGeom>
+            <a:grpFill/>
+            <a:ln>
+              <a:noFill/>
+            </a:ln>
+          </p:spPr>
+          <p:style>
+            <a:lnRef idx="2">
+              <a:schemeClr val="accent1">
+                <a:shade val="50000"/>
+              </a:schemeClr>
+            </a:lnRef>
+            <a:fillRef idx="1">
+              <a:schemeClr val="accent1"/>
+            </a:fillRef>
+            <a:effectRef idx="0">
+              <a:schemeClr val="accent1"/>
+            </a:effectRef>
+            <a:fontRef idx="minor">
+              <a:schemeClr val="lt1"/>
+            </a:fontRef>
+          </p:style>
+          <p:txBody>
+            <a:bodyPr rtlCol="0" anchor="ctr"/>
+            <a:lstStyle/>
+            <a:p>
+              <a:pPr algn="ctr"/>
+              <a:endParaRPr lang="en-US" dirty="0"/>
+            </a:p>
+          </p:txBody>
+        </p:sp>
+      </p:grpSp>
+      <p:sp>
+        <p:nvSpPr>
+          <p:cNvPr id="12" name="Rectangle 11">
+            <a:extLst>
+              <a:ext uri="{FF2B5EF4-FFF2-40B4-BE49-F238E27FC236}">
+                <a16:creationId xmlns:a16="http://schemas.microsoft.com/office/drawing/2014/main" id="{2E982ABC-E21C-2528-25D2-134519AA921B}"/>
+              </a:ext>
+            </a:extLst>
+          </p:cNvPr>
+          <p:cNvSpPr/>
+          <p:nvPr/>
+        </p:nvSpPr>
+        <p:spPr>
+          <a:xfrm>
+            <a:off x="5693308" y="3306929"/>
+            <a:ext cx="1550193" cy="1418874"/>
+          </a:xfrm>
+          <a:prstGeom prst="rect">
+            <a:avLst/>
+          </a:prstGeom>
+          <a:solidFill>
+            <a:srgbClr val="417AAC"/>
+          </a:solidFill>
+          <a:ln>
+            <a:noFill/>
+          </a:ln>
+        </p:spPr>
+        <p:style>
+          <a:lnRef idx="2">
+            <a:schemeClr val="accent1">
+              <a:shade val="50000"/>
+            </a:schemeClr>
+          </a:lnRef>
+          <a:fillRef idx="1">
+            <a:schemeClr val="accent1"/>
+          </a:fillRef>
+          <a:effectRef idx="0">
+            <a:schemeClr val="accent1"/>
+          </a:effectRef>
+          <a:fontRef idx="minor">
+            <a:schemeClr val="lt1"/>
+          </a:fontRef>
+        </p:style>
+        <p:txBody>
+          <a:bodyPr rtlCol="0" anchor="ctr"/>
+          <a:lstStyle/>
+          <a:p>
+            <a:pPr algn="ctr"/>
+            <a:endParaRPr lang="en-US"/>
+          </a:p>
+        </p:txBody>
+      </p:sp>
+      <p:grpSp>
+        <p:nvGrpSpPr>
+          <p:cNvPr id="13" name="Group 12">
+            <a:extLst>
+              <a:ext uri="{FF2B5EF4-FFF2-40B4-BE49-F238E27FC236}">
+                <a16:creationId xmlns:a16="http://schemas.microsoft.com/office/drawing/2014/main" id="{3AF4C966-7248-0544-EA41-42074CC17EA6}"/>
+              </a:ext>
+            </a:extLst>
+          </p:cNvPr>
+          <p:cNvGrpSpPr/>
+          <p:nvPr/>
+        </p:nvGrpSpPr>
+        <p:grpSpPr>
+          <a:xfrm>
+            <a:off x="5443955" y="3027528"/>
+            <a:ext cx="1802521" cy="1636890"/>
+            <a:chOff x="5422366" y="3014133"/>
+            <a:chExt cx="1802521" cy="1636890"/>
+          </a:xfrm>
+          <a:solidFill>
+            <a:srgbClr val="417AAC"/>
+          </a:solidFill>
+        </p:grpSpPr>
+        <p:sp>
+          <p:nvSpPr>
+            <p:cNvPr id="14" name="Rectangle 13">
+              <a:extLst>
+                <a:ext uri="{FF2B5EF4-FFF2-40B4-BE49-F238E27FC236}">
+                  <a16:creationId xmlns:a16="http://schemas.microsoft.com/office/drawing/2014/main" id="{75B1AA16-1111-D0A3-F444-0C6EF31CD575}"/>
+                </a:ext>
+              </a:extLst>
+            </p:cNvPr>
+            <p:cNvSpPr/>
+            <p:nvPr/>
+          </p:nvSpPr>
+          <p:spPr>
+            <a:xfrm>
+              <a:off x="5422367" y="3014133"/>
+              <a:ext cx="323676" cy="1636890"/>
+            </a:xfrm>
+            <a:prstGeom prst="rect">
+              <a:avLst/>
+            </a:prstGeom>
+            <a:grpFill/>
+            <a:ln>
+              <a:noFill/>
+            </a:ln>
+          </p:spPr>
+          <p:style>
+            <a:lnRef idx="2">
+              <a:schemeClr val="accent1">
+                <a:shade val="50000"/>
+              </a:schemeClr>
+            </a:lnRef>
+            <a:fillRef idx="1">
+              <a:schemeClr val="accent1"/>
+            </a:fillRef>
+            <a:effectRef idx="0">
+              <a:schemeClr val="accent1"/>
+            </a:effectRef>
+            <a:fontRef idx="minor">
+              <a:schemeClr val="lt1"/>
+            </a:fontRef>
+          </p:style>
+          <p:txBody>
+            <a:bodyPr rtlCol="0" anchor="ctr"/>
+            <a:lstStyle/>
+            <a:p>
+              <a:pPr algn="ctr"/>
+              <a:endParaRPr lang="en-US" dirty="0"/>
+            </a:p>
+          </p:txBody>
+        </p:sp>
+        <p:sp>
+          <p:nvSpPr>
+            <p:cNvPr id="15" name="Rectangle 14">
+              <a:extLst>
+                <a:ext uri="{FF2B5EF4-FFF2-40B4-BE49-F238E27FC236}">
+                  <a16:creationId xmlns:a16="http://schemas.microsoft.com/office/drawing/2014/main" id="{43E9BD78-5F15-0966-9B93-91DDE5B6DC40}"/>
+                </a:ext>
+              </a:extLst>
+            </p:cNvPr>
+            <p:cNvSpPr/>
+            <p:nvPr/>
+          </p:nvSpPr>
+          <p:spPr>
+            <a:xfrm rot="5400000">
+              <a:off x="6183927" y="2342883"/>
+              <a:ext cx="279400" cy="1802521"/>
+            </a:xfrm>
+            <a:prstGeom prst="rect">
+              <a:avLst/>
+            </a:prstGeom>
+            <a:grpFill/>
+            <a:ln>
+              <a:noFill/>
+            </a:ln>
+          </p:spPr>
+          <p:style>
+            <a:lnRef idx="2">
+              <a:schemeClr val="accent1">
+                <a:shade val="50000"/>
+              </a:schemeClr>
+            </a:lnRef>
+            <a:fillRef idx="1">
+              <a:schemeClr val="accent1"/>
+            </a:fillRef>
+            <a:effectRef idx="0">
+              <a:schemeClr val="accent1"/>
+            </a:effectRef>
+            <a:fontRef idx="minor">
+              <a:schemeClr val="lt1"/>
+            </a:fontRef>
+          </p:style>
+          <p:txBody>
+            <a:bodyPr rtlCol="0" anchor="ctr"/>
+            <a:lstStyle/>
+            <a:p>
+              <a:pPr algn="ctr"/>
+              <a:endParaRPr lang="en-US" dirty="0"/>
+            </a:p>
+          </p:txBody>
+        </p:sp>
+      </p:grpSp>
+    </p:spTree>
+    <p:extLst>
+      <p:ext uri="{BB962C8B-B14F-4D97-AF65-F5344CB8AC3E}">
+        <p14:creationId xmlns:p14="http://schemas.microsoft.com/office/powerpoint/2010/main" val="242917792"/>
+      </p:ext>
+    </p:extLst>
+  </p:cSld>
+  <p:clrMapOvr>
+    <a:masterClrMapping/>
+  </p:clrMapOvr>
+  <mc:AlternateContent xmlns:mc="http://schemas.openxmlformats.org/markup-compatibility/2006" xmlns:p14="http://schemas.microsoft.com/office/powerpoint/2010/main">
+    <mc:Choice Requires="p14">
+      <p:transition spd="med" p14:dur="700">
+        <p:fade/>
+      </p:transition>
+    </mc:Choice>
+    <mc:Fallback xmlns="">
+      <p:transition spd="med">
+        <p:fade/>
+      </p:transition>
+    </mc:Fallback>
+  </mc:AlternateContent>
+  <p:timing>
+    <p:tnLst>
+      <p:par>
+        <p:cTn id="1" dur="indefinite" restart="never" nodeType="tmRoot">
+          <p:childTnLst>
+            <p:seq concurrent="1" nextAc="seek">
+              <p:cTn id="2" dur="indefinite" nodeType="mainSeq">
+                <p:childTnLst>
+                  <p:par>
+                    <p:cTn id="3" fill="hold">
+                      <p:stCondLst>
+                        <p:cond delay="indefinite"/>
+                        <p:cond evt="onBegin" delay="0">
+                          <p:tn val="2"/>
+                        </p:cond>
+                      </p:stCondLst>
+                      <p:childTnLst>
+                        <p:par>
+                          <p:cTn id="4" fill="hold">
+                            <p:stCondLst>
+                              <p:cond delay="0"/>
+                            </p:stCondLst>
+                            <p:childTnLst>
+                              <p:par>
+                                <p:cTn id="5" presetID="1" presetClass="exit" presetSubtype="0" fill="hold" grpId="0" nodeType="withEffect">
+                                  <p:stCondLst>
+                                    <p:cond delay="0"/>
+                                  </p:stCondLst>
+                                  <p:childTnLst>
+                                    <p:set>
+                                      <p:cBhvr>
+                                        <p:cTn id="6" dur="1" fill="hold">
+                                          <p:stCondLst>
+                                            <p:cond delay="0"/>
+                                          </p:stCondLst>
+                                        </p:cTn>
+                                        <p:tgtEl>
+                                          <p:spTgt spid="12"/>
+                                        </p:tgtEl>
+                                        <p:attrNameLst>
+                                          <p:attrName>style.visibility</p:attrName>
+                                        </p:attrNameLst>
+                                      </p:cBhvr>
+                                      <p:to>
+                                        <p:strVal val="hidden"/>
+                                      </p:to>
+                                    </p:set>
+                                  </p:childTnLst>
+                                </p:cTn>
+                              </p:par>
+                            </p:childTnLst>
+                          </p:cTn>
+                        </p:par>
+                        <p:par>
+                          <p:cTn id="7" fill="hold">
+                            <p:stCondLst>
+                              <p:cond delay="0"/>
+                            </p:stCondLst>
+                            <p:childTnLst>
+                              <p:par>
+                                <p:cTn id="8" presetID="1" presetClass="exit" presetSubtype="0" fill="hold" nodeType="afterEffect">
+                                  <p:stCondLst>
+                                    <p:cond delay="1000"/>
+                                  </p:stCondLst>
+                                  <p:childTnLst>
+                                    <p:set>
+                                      <p:cBhvr>
+                                        <p:cTn id="9" dur="1" fill="hold">
+                                          <p:stCondLst>
+                                            <p:cond delay="0"/>
+                                          </p:stCondLst>
+                                        </p:cTn>
+                                        <p:tgtEl>
+                                          <p:spTgt spid="13"/>
+                                        </p:tgtEl>
+                                        <p:attrNameLst>
+                                          <p:attrName>style.visibility</p:attrName>
+                                        </p:attrNameLst>
+                                      </p:cBhvr>
+                                      <p:to>
+                                        <p:strVal val="hidden"/>
+                                      </p:to>
+                                    </p:set>
+                                  </p:childTnLst>
+                                </p:cTn>
+                              </p:par>
+                            </p:childTnLst>
+                          </p:cTn>
+                        </p:par>
+                        <p:par>
+                          <p:cTn id="10" fill="hold">
+                            <p:stCondLst>
+                              <p:cond delay="1000"/>
+                            </p:stCondLst>
+                            <p:childTnLst>
+                              <p:par>
+                                <p:cTn id="11" presetID="1" presetClass="exit" presetSubtype="0" fill="hold" nodeType="afterEffect">
+                                  <p:stCondLst>
+                                    <p:cond delay="1000"/>
+                                  </p:stCondLst>
+                                  <p:childTnLst>
+                                    <p:set>
+                                      <p:cBhvr>
+                                        <p:cTn id="12" dur="1" fill="hold">
+                                          <p:stCondLst>
+                                            <p:cond delay="0"/>
+                                          </p:stCondLst>
+                                        </p:cTn>
+                                        <p:tgtEl>
+                                          <p:spTgt spid="9"/>
+                                        </p:tgtEl>
+                                        <p:attrNameLst>
+                                          <p:attrName>style.visibility</p:attrName>
+                                        </p:attrNameLst>
+                                      </p:cBhvr>
+                                      <p:to>
+                                        <p:strVal val="hidden"/>
+                                      </p:to>
+                                    </p:set>
+                                  </p:childTnLst>
+                                </p:cTn>
+                              </p:par>
+                            </p:childTnLst>
+                          </p:cTn>
+                        </p:par>
+                        <p:par>
+                          <p:cTn id="13" fill="hold">
+                            <p:stCondLst>
+                              <p:cond delay="2000"/>
+                            </p:stCondLst>
+                            <p:childTnLst>
+                              <p:par>
+                                <p:cTn id="14" presetID="1" presetClass="exit" presetSubtype="0" fill="hold" nodeType="afterEffect">
+                                  <p:stCondLst>
+                                    <p:cond delay="1000"/>
+                                  </p:stCondLst>
+                                  <p:childTnLst>
+                                    <p:set>
+                                      <p:cBhvr>
+                                        <p:cTn id="15" dur="1" fill="hold">
+                                          <p:stCondLst>
+                                            <p:cond delay="0"/>
+                                          </p:stCondLst>
+                                        </p:cTn>
+                                        <p:tgtEl>
+                                          <p:spTgt spid="6"/>
+                                        </p:tgtEl>
+                                        <p:attrNameLst>
+                                          <p:attrName>style.visibility</p:attrName>
+                                        </p:attrNameLst>
+                                      </p:cBhvr>
+                                      <p:to>
+                                        <p:strVal val="hidden"/>
+                                      </p:to>
+                                    </p:set>
+                                  </p:childTnLst>
+                                </p:cTn>
+                              </p:par>
+                            </p:childTnLst>
+                          </p:cTn>
+                        </p:par>
+                      </p:childTnLst>
+                    </p:cTn>
+                  </p:par>
+                </p:childTnLst>
+              </p:cTn>
+              <p:prevCondLst>
+                <p:cond evt="onPrev" delay="0">
+                  <p:tgtEl>
+                    <p:sldTgt/>
+                  </p:tgtEl>
+                </p:cond>
+              </p:prevCondLst>
+              <p:nextCondLst>
+                <p:cond evt="onNext" delay="0">
+                  <p:tgtEl>
+                    <p:sldTgt/>
+                  </p:tgtEl>
+                </p:cond>
+              </p:nextCondLst>
+            </p:seq>
+          </p:childTnLst>
+        </p:cTn>
+      </p:par>
+    </p:tnLst>
+    <p:bldLst>
+      <p:bldP spid="12" grpId="0" animBg="1"/>
+    </p:bldLst>
+  </p:timing>
+</p:sld>
+</file>
+
+<file path=ppt/slides/slide8.xml><?xml version="1.0" encoding="utf-8"?>
+<p:sld xmlns:a="http://schemas.openxmlformats.org/drawingml/2006/main" xmlns:r="http://schemas.openxmlformats.org/officeDocument/2006/relationships" xmlns:p="http://schemas.openxmlformats.org/presentationml/2006/main">
+  <p:cSld>
+    <p:spTree>
+      <p:nvGrpSpPr>
+        <p:cNvPr id="1" name=""/>
+        <p:cNvGrpSpPr/>
+        <p:nvPr/>
+      </p:nvGrpSpPr>
+      <p:grpSpPr>
+        <a:xfrm>
+          <a:off x="0" y="0"/>
+          <a:ext cx="0" cy="0"/>
+          <a:chOff x="0" y="0"/>
+          <a:chExt cx="0" cy="0"/>
+        </a:xfrm>
+      </p:grpSpPr>
+      <p:pic>
+        <p:nvPicPr>
+          <p:cNvPr id="3" name="Picture 2">
+            <a:extLst>
+              <a:ext uri="{FF2B5EF4-FFF2-40B4-BE49-F238E27FC236}">
+                <a16:creationId xmlns:a16="http://schemas.microsoft.com/office/drawing/2014/main" id="{4617C3BA-E214-469F-96CB-D017419FFD98}"/>
+              </a:ext>
+            </a:extLst>
+          </p:cNvPr>
+          <p:cNvPicPr/>
+          <p:nvPr/>
+        </p:nvPicPr>
+        <p:blipFill rotWithShape="1">
+          <a:blip r:embed="rId3">
+            <a:duotone>
+              <a:schemeClr val="accent5">
+                <a:shade val="45000"/>
+                <a:satMod val="135000"/>
+              </a:schemeClr>
+              <a:prstClr val="white"/>
+            </a:duotone>
+            <a:extLst>
+              <a:ext uri="{BEBA8EAE-BF5A-486C-A8C5-ECC9F3942E4B}">
+                <a14:imgProps xmlns:a14="http://schemas.microsoft.com/office/drawing/2010/main">
+                  <a14:imgLayer r:embed="rId4">
+                    <a14:imgEffect>
+                      <a14:colorTemperature colorTemp="5081"/>
+                    </a14:imgEffect>
+                    <a14:imgEffect>
+                      <a14:saturation sat="234000"/>
+                    </a14:imgEffect>
+                    <a14:imgEffect>
+                      <a14:brightnessContrast contrast="35000"/>
+                    </a14:imgEffect>
+                  </a14:imgLayer>
+                </a14:imgProps>
+              </a:ext>
+            </a:extLst>
+          </a:blip>
+          <a:srcRect r="50000" b="86702"/>
+          <a:stretch/>
+        </p:blipFill>
+        <p:spPr>
+          <a:xfrm>
+            <a:off x="3124200" y="1933257"/>
+            <a:ext cx="2971800" cy="397819"/>
+          </a:xfrm>
+          <a:prstGeom prst="rect">
+            <a:avLst/>
+          </a:prstGeom>
+        </p:spPr>
+      </p:pic>
+      <p:pic>
+        <p:nvPicPr>
+          <p:cNvPr id="2" name="Picture 1">
+            <a:extLst>
+              <a:ext uri="{FF2B5EF4-FFF2-40B4-BE49-F238E27FC236}">
+                <a16:creationId xmlns:a16="http://schemas.microsoft.com/office/drawing/2014/main" id="{91B1F35D-0B60-8666-ACE6-BB85987839AB}"/>
+              </a:ext>
+            </a:extLst>
+          </p:cNvPr>
+          <p:cNvPicPr/>
+          <p:nvPr/>
+        </p:nvPicPr>
+        <p:blipFill rotWithShape="1">
+          <a:blip r:embed="rId3">
+            <a:duotone>
+              <a:schemeClr val="accent5">
+                <a:shade val="45000"/>
+                <a:satMod val="135000"/>
+              </a:schemeClr>
+              <a:prstClr val="white"/>
+            </a:duotone>
+            <a:extLst>
+              <a:ext uri="{BEBA8EAE-BF5A-486C-A8C5-ECC9F3942E4B}">
+                <a14:imgProps xmlns:a14="http://schemas.microsoft.com/office/drawing/2010/main">
+                  <a14:imgLayer r:embed="rId5">
+                    <a14:imgEffect>
+                      <a14:colorTemperature colorTemp="5081"/>
+                    </a14:imgEffect>
+                    <a14:imgEffect>
+                      <a14:saturation sat="234000"/>
+                    </a14:imgEffect>
+                    <a14:imgEffect>
+                      <a14:brightnessContrast contrast="35000"/>
+                    </a14:imgEffect>
+                  </a14:imgLayer>
+                </a14:imgProps>
+              </a:ext>
+            </a:extLst>
+          </a:blip>
+          <a:srcRect l="65782" t="19923" b="3540"/>
+          <a:stretch/>
+        </p:blipFill>
+        <p:spPr>
+          <a:xfrm>
+            <a:off x="7061916" y="2552884"/>
+            <a:ext cx="2033789" cy="2289573"/>
+          </a:xfrm>
+          <a:prstGeom prst="rect">
+            <a:avLst/>
+          </a:prstGeom>
+        </p:spPr>
+      </p:pic>
+      <p:pic>
+        <p:nvPicPr>
+          <p:cNvPr id="4" name="Picture 3">
+            <a:extLst>
+              <a:ext uri="{FF2B5EF4-FFF2-40B4-BE49-F238E27FC236}">
+                <a16:creationId xmlns:a16="http://schemas.microsoft.com/office/drawing/2014/main" id="{F30DB11F-5E68-3EEA-3041-2E2E239BD17D}"/>
+              </a:ext>
+            </a:extLst>
+          </p:cNvPr>
+          <p:cNvPicPr/>
+          <p:nvPr/>
+        </p:nvPicPr>
+        <p:blipFill rotWithShape="1">
+          <a:blip r:embed="rId3">
+            <a:duotone>
+              <a:schemeClr val="accent5">
+                <a:shade val="45000"/>
+                <a:satMod val="135000"/>
+              </a:schemeClr>
+              <a:prstClr val="white"/>
+            </a:duotone>
+            <a:extLst>
+              <a:ext uri="{BEBA8EAE-BF5A-486C-A8C5-ECC9F3942E4B}">
+                <a14:imgProps xmlns:a14="http://schemas.microsoft.com/office/drawing/2010/main">
+                  <a14:imgLayer r:embed="rId6">
+                    <a14:imgEffect>
+                      <a14:colorTemperature colorTemp="5081"/>
+                    </a14:imgEffect>
+                    <a14:imgEffect>
+                      <a14:saturation sat="234000"/>
+                    </a14:imgEffect>
+                    <a14:imgEffect>
+                      <a14:brightnessContrast contrast="35000"/>
+                    </a14:imgEffect>
+                  </a14:imgLayer>
+                </a14:imgProps>
+              </a:ext>
+            </a:extLst>
+          </a:blip>
+          <a:srcRect t="55537" r="65457"/>
+          <a:stretch/>
+        </p:blipFill>
+        <p:spPr>
+          <a:xfrm>
+            <a:off x="3115614" y="3631843"/>
+            <a:ext cx="2053107" cy="1330110"/>
+          </a:xfrm>
+          <a:prstGeom prst="rect">
+            <a:avLst/>
+          </a:prstGeom>
+        </p:spPr>
+      </p:pic>
+      <p:pic>
+        <p:nvPicPr>
+          <p:cNvPr id="5" name="Picture 4">
+            <a:extLst>
+              <a:ext uri="{FF2B5EF4-FFF2-40B4-BE49-F238E27FC236}">
+                <a16:creationId xmlns:a16="http://schemas.microsoft.com/office/drawing/2014/main" id="{95E160B8-DD05-3433-B628-68C47043DC2C}"/>
+              </a:ext>
+            </a:extLst>
+          </p:cNvPr>
+          <p:cNvPicPr/>
+          <p:nvPr/>
+        </p:nvPicPr>
+        <p:blipFill rotWithShape="1">
+          <a:blip r:embed="rId3">
+            <a:duotone>
+              <a:schemeClr val="accent5">
+                <a:shade val="45000"/>
+                <a:satMod val="135000"/>
+              </a:schemeClr>
+              <a:prstClr val="white"/>
+            </a:duotone>
+            <a:extLst>
+              <a:ext uri="{BEBA8EAE-BF5A-486C-A8C5-ECC9F3942E4B}">
+                <a14:imgProps xmlns:a14="http://schemas.microsoft.com/office/drawing/2010/main">
+                  <a14:imgLayer r:embed="rId7">
+                    <a14:imgEffect>
+                      <a14:colorTemperature colorTemp="5081"/>
+                    </a14:imgEffect>
+                    <a14:imgEffect>
+                      <a14:saturation sat="234000"/>
+                    </a14:imgEffect>
+                    <a14:imgEffect>
+                      <a14:brightnessContrast contrast="35000"/>
+                    </a14:imgEffect>
+                  </a14:imgLayer>
+                </a14:imgProps>
+              </a:ext>
+            </a:extLst>
+          </a:blip>
+          <a:srcRect l="33568" t="16289" r="33929" b="3635"/>
+          <a:stretch/>
+        </p:blipFill>
+        <p:spPr>
+          <a:xfrm>
+            <a:off x="5121498" y="2459866"/>
+            <a:ext cx="1931832" cy="2395470"/>
+          </a:xfrm>
+          <a:prstGeom prst="rect">
+            <a:avLst/>
+          </a:prstGeom>
+        </p:spPr>
+      </p:pic>
+    </p:spTree>
+    <p:extLst>
+      <p:ext uri="{BB962C8B-B14F-4D97-AF65-F5344CB8AC3E}">
+        <p14:creationId xmlns:p14="http://schemas.microsoft.com/office/powerpoint/2010/main" val="3611031513"/>
+      </p:ext>
+    </p:extLst>
+  </p:cSld>
+  <p:clrMapOvr>
+    <a:masterClrMapping/>
+  </p:clrMapOvr>
+  <mc:AlternateContent xmlns:mc="http://schemas.openxmlformats.org/markup-compatibility/2006" xmlns:p14="http://schemas.microsoft.com/office/powerpoint/2010/main">
+    <mc:Choice Requires="p14">
+      <p:transition spd="med" p14:dur="700">
+        <p:fade/>
+      </p:transition>
+    </mc:Choice>
+    <mc:Fallback xmlns="">
+      <p:transition spd="med">
+        <p:fade/>
+      </p:transition>
+    </mc:Fallback>
+  </mc:AlternateContent>
+  <p:timing>
+    <p:tnLst>
+      <p:par>
+        <p:cTn id="1" dur="indefinite" restart="never" nodeType="tmRoot">
+          <p:childTnLst>
+            <p:seq concurrent="1" nextAc="seek">
+              <p:cTn id="2" dur="indefinite" nodeType="mainSeq">
+                <p:childTnLst>
+                  <p:par>
+                    <p:cTn id="3" fill="hold">
+                      <p:stCondLst>
+                        <p:cond delay="indefinite"/>
+                      </p:stCondLst>
+                      <p:childTnLst>
+                        <p:par>
+                          <p:cTn id="4" fill="hold">
+                            <p:stCondLst>
+                              <p:cond delay="0"/>
+                            </p:stCondLst>
+                            <p:childTnLst>
+                              <p:par>
+                                <p:cTn id="5" presetID="1" presetClass="entr" presetSubtype="0" fill="hold" nodeType="clickEffect">
+                                  <p:stCondLst>
+                                    <p:cond delay="0"/>
+                                  </p:stCondLst>
+                                  <p:childTnLst>
+                                    <p:set>
+                                      <p:cBhvr>
+                                        <p:cTn id="6" dur="1" fill="hold">
+                                          <p:stCondLst>
+                                            <p:cond delay="0"/>
+                                          </p:stCondLst>
+                                        </p:cTn>
+                                        <p:tgtEl>
+                                          <p:spTgt spid="4"/>
+                                        </p:tgtEl>
+                                        <p:attrNameLst>
+                                          <p:attrName>style.visibility</p:attrName>
+                                        </p:attrNameLst>
+                                      </p:cBhvr>
+                                      <p:to>
+                                        <p:strVal val="visible"/>
+                                      </p:to>
+                                    </p:set>
+                                  </p:childTnLst>
+                                </p:cTn>
+                              </p:par>
+                            </p:childTnLst>
+                          </p:cTn>
+                        </p:par>
+                      </p:childTnLst>
+                    </p:cTn>
+                  </p:par>
+                  <p:par>
+                    <p:cTn id="7" fill="hold">
+                      <p:stCondLst>
+                        <p:cond delay="indefinite"/>
+                      </p:stCondLst>
+                      <p:childTnLst>
+                        <p:par>
+                          <p:cTn id="8" fill="hold">
+                            <p:stCondLst>
+                              <p:cond delay="0"/>
+                            </p:stCondLst>
+                            <p:childTnLst>
+                              <p:par>
+                                <p:cTn id="9" presetID="1" presetClass="entr" presetSubtype="0" fill="hold" nodeType="clickEffect">
+                                  <p:stCondLst>
+                                    <p:cond delay="0"/>
+                                  </p:stCondLst>
+                                  <p:childTnLst>
+                                    <p:set>
+                                      <p:cBhvr>
+                                        <p:cTn id="10" dur="1" fill="hold">
+                                          <p:stCondLst>
+                                            <p:cond delay="0"/>
+                                          </p:stCondLst>
+                                        </p:cTn>
+                                        <p:tgtEl>
+                                          <p:spTgt spid="5"/>
+                                        </p:tgtEl>
+                                        <p:attrNameLst>
+                                          <p:attrName>style.visibility</p:attrName>
+                                        </p:attrNameLst>
+                                      </p:cBhvr>
+                                      <p:to>
+                                        <p:strVal val="visible"/>
+                                      </p:to>
+                                    </p:set>
+                                  </p:childTnLst>
+                                </p:cTn>
+                              </p:par>
+                            </p:childTnLst>
+                          </p:cTn>
+                        </p:par>
+                      </p:childTnLst>
+                    </p:cTn>
+                  </p:par>
+                  <p:par>
+                    <p:cTn id="11" fill="hold">
+                      <p:stCondLst>
+                        <p:cond delay="indefinite"/>
+                      </p:stCondLst>
+                      <p:childTnLst>
+                        <p:par>
+                          <p:cTn id="12" fill="hold">
+                            <p:stCondLst>
+                              <p:cond delay="0"/>
+                            </p:stCondLst>
+                            <p:childTnLst>
+                              <p:par>
+                                <p:cTn id="13" presetID="1" presetClass="entr" presetSubtype="0" fill="hold" nodeType="clickEffect">
+                                  <p:stCondLst>
+                                    <p:cond delay="0"/>
+                                  </p:stCondLst>
+                                  <p:childTnLst>
+                                    <p:set>
+                                      <p:cBhvr>
+                                        <p:cTn id="14" dur="1" fill="hold">
+                                          <p:stCondLst>
+                                            <p:cond delay="0"/>
+                                          </p:stCondLst>
+                                        </p:cTn>
+                                        <p:tgtEl>
+                                          <p:spTgt spid="2"/>
+                                        </p:tgtEl>
+                                        <p:attrNameLst>
+                                          <p:attrName>style.visibility</p:attrName>
+                                        </p:attrNameLst>
+                                      </p:cBhvr>
+                                      <p:to>
+                                        <p:strVal val="visible"/>
+                                      </p:to>
+                                    </p:set>
+                                  </p:childTnLst>
+                                </p:cTn>
+                              </p:par>
+                            </p:childTnLst>
+                          </p:cTn>
+                        </p:par>
+                      </p:childTnLst>
+                    </p:cTn>
+                  </p:par>
+                </p:childTnLst>
+              </p:cTn>
+              <p:prevCondLst>
+                <p:cond evt="onPrev" delay="0">
+                  <p:tgtEl>
+                    <p:sldTgt/>
+                  </p:tgtEl>
+                </p:cond>
+              </p:prevCondLst>
+              <p:nextCondLst>
+                <p:cond evt="onNext" delay="0">
+                  <p:tgtEl>
+                    <p:sldTgt/>
+                  </p:tgtEl>
+                </p:cond>
+              </p:nextCondLst>
+            </p:seq>
+          </p:childTnLst>
+        </p:cTn>
+      </p:par>
+    </p:tnLst>
+  </p:timing>
+</p:sld>
+</file>
+
+<file path=ppt/slides/slide9.xml><?xml version="1.0" encoding="utf-8"?>
+<p:sld xmlns:a="http://schemas.openxmlformats.org/drawingml/2006/main" xmlns:r="http://schemas.openxmlformats.org/officeDocument/2006/relationships" xmlns:p="http://schemas.openxmlformats.org/presentationml/2006/main">
+  <p:cSld>
+    <p:spTree>
+      <p:nvGrpSpPr>
+        <p:cNvPr id="1" name=""/>
+        <p:cNvGrpSpPr/>
+        <p:nvPr/>
+      </p:nvGrpSpPr>
+      <p:grpSpPr>
+        <a:xfrm>
+          <a:off x="0" y="0"/>
+          <a:ext cx="0" cy="0"/>
+          <a:chOff x="0" y="0"/>
+          <a:chExt cx="0" cy="0"/>
+        </a:xfrm>
+      </p:grpSpPr>
       <p:pic>
         <p:nvPicPr>
           <p:cNvPr id="3" name="Picture 2">
@@ -5821,294 +8712,6 @@
     <p:extLst>
       <p:ext uri="{BB962C8B-B14F-4D97-AF65-F5344CB8AC3E}">
         <p14:creationId xmlns:p14="http://schemas.microsoft.com/office/powerpoint/2010/main" val="1454075469"/>
-      </p:ext>
-    </p:extLst>
-  </p:cSld>
-  <p:clrMapOvr>
-    <a:masterClrMapping/>
-  </p:clrMapOvr>
-  <mc:AlternateContent xmlns:mc="http://schemas.openxmlformats.org/markup-compatibility/2006" xmlns:p14="http://schemas.microsoft.com/office/powerpoint/2010/main">
-    <mc:Choice Requires="p14">
-      <p:transition spd="med" p14:dur="700">
-        <p:fade/>
-      </p:transition>
-    </mc:Choice>
-    <mc:Fallback xmlns="">
-      <p:transition spd="med">
-        <p:fade/>
-      </p:transition>
-    </mc:Fallback>
-  </mc:AlternateContent>
-</p:sld>
-</file>
-
-<file path=ppt/slides/slide6.xml><?xml version="1.0" encoding="utf-8"?>
-<p:sld xmlns:a="http://schemas.openxmlformats.org/drawingml/2006/main" xmlns:r="http://schemas.openxmlformats.org/officeDocument/2006/relationships" xmlns:p="http://schemas.openxmlformats.org/presentationml/2006/main">
-  <p:cSld>
-    <p:spTree>
-      <p:nvGrpSpPr>
-        <p:cNvPr id="1" name=""/>
-        <p:cNvGrpSpPr/>
-        <p:nvPr/>
-      </p:nvGrpSpPr>
-      <p:grpSpPr>
-        <a:xfrm>
-          <a:off x="0" y="0"/>
-          <a:ext cx="0" cy="0"/>
-          <a:chOff x="0" y="0"/>
-          <a:chExt cx="0" cy="0"/>
-        </a:xfrm>
-      </p:grpSpPr>
-      <p:pic>
-        <p:nvPicPr>
-          <p:cNvPr id="7" name="Picture 6" descr="Chart&#10;&#10;Description automatically generated with medium confidence">
-            <a:extLst>
-              <a:ext uri="{FF2B5EF4-FFF2-40B4-BE49-F238E27FC236}">
-                <a16:creationId xmlns:a16="http://schemas.microsoft.com/office/drawing/2014/main" id="{C82E91D7-68EF-4201-9C27-F8FF978A0C42}"/>
-              </a:ext>
-            </a:extLst>
-          </p:cNvPr>
-          <p:cNvPicPr>
-            <a:picLocks noChangeAspect="1"/>
-          </p:cNvPicPr>
-          <p:nvPr/>
-        </p:nvPicPr>
-        <p:blipFill>
-          <a:blip r:embed="rId3">
-            <a:extLst>
-              <a:ext uri="{28A0092B-C50C-407E-A947-70E740481C1C}">
-                <a14:useLocalDpi xmlns:a14="http://schemas.microsoft.com/office/drawing/2010/main" val="0"/>
-              </a:ext>
-            </a:extLst>
-          </a:blip>
-          <a:stretch>
-            <a:fillRect/>
-          </a:stretch>
-        </p:blipFill>
-        <p:spPr>
-          <a:xfrm>
-            <a:off x="4114698" y="2393897"/>
-            <a:ext cx="3962604" cy="2070206"/>
-          </a:xfrm>
-          <a:prstGeom prst="rect">
-            <a:avLst/>
-          </a:prstGeom>
-        </p:spPr>
-      </p:pic>
-    </p:spTree>
-    <p:extLst>
-      <p:ext uri="{BB962C8B-B14F-4D97-AF65-F5344CB8AC3E}">
-        <p14:creationId xmlns:p14="http://schemas.microsoft.com/office/powerpoint/2010/main" val="3838947979"/>
-      </p:ext>
-    </p:extLst>
-  </p:cSld>
-  <p:clrMapOvr>
-    <a:masterClrMapping/>
-  </p:clrMapOvr>
-  <mc:AlternateContent xmlns:mc="http://schemas.openxmlformats.org/markup-compatibility/2006" xmlns:p14="http://schemas.microsoft.com/office/powerpoint/2010/main">
-    <mc:Choice Requires="p14">
-      <p:transition spd="med" p14:dur="700">
-        <p:fade/>
-      </p:transition>
-    </mc:Choice>
-    <mc:Fallback xmlns="">
-      <p:transition spd="med">
-        <p:fade/>
-      </p:transition>
-    </mc:Fallback>
-  </mc:AlternateContent>
-</p:sld>
-</file>
-
-<file path=ppt/slides/slide7.xml><?xml version="1.0" encoding="utf-8"?>
-<p:sld xmlns:a="http://schemas.openxmlformats.org/drawingml/2006/main" xmlns:r="http://schemas.openxmlformats.org/officeDocument/2006/relationships" xmlns:p="http://schemas.openxmlformats.org/presentationml/2006/main">
-  <p:cSld>
-    <p:spTree>
-      <p:nvGrpSpPr>
-        <p:cNvPr id="1" name=""/>
-        <p:cNvGrpSpPr/>
-        <p:nvPr/>
-      </p:nvGrpSpPr>
-      <p:grpSpPr>
-        <a:xfrm>
-          <a:off x="0" y="0"/>
-          <a:ext cx="0" cy="0"/>
-          <a:chOff x="0" y="0"/>
-          <a:chExt cx="0" cy="0"/>
-        </a:xfrm>
-      </p:grpSpPr>
-      <p:pic>
-        <p:nvPicPr>
-          <p:cNvPr id="3" name="Picture 2">
-            <a:extLst>
-              <a:ext uri="{FF2B5EF4-FFF2-40B4-BE49-F238E27FC236}">
-                <a16:creationId xmlns:a16="http://schemas.microsoft.com/office/drawing/2014/main" id="{4E3D2209-EBCE-4BD6-9F05-CB20E635C1D2}"/>
-              </a:ext>
-            </a:extLst>
-          </p:cNvPr>
-          <p:cNvPicPr/>
-          <p:nvPr/>
-        </p:nvPicPr>
-        <p:blipFill>
-          <a:blip r:embed="rId3"/>
-          <a:stretch>
-            <a:fillRect/>
-          </a:stretch>
-        </p:blipFill>
-        <p:spPr>
-          <a:xfrm>
-            <a:off x="3819525" y="1552575"/>
-            <a:ext cx="4552950" cy="3752850"/>
-          </a:xfrm>
-          <a:prstGeom prst="rect">
-            <a:avLst/>
-          </a:prstGeom>
-        </p:spPr>
-      </p:pic>
-    </p:spTree>
-    <p:extLst>
-      <p:ext uri="{BB962C8B-B14F-4D97-AF65-F5344CB8AC3E}">
-        <p14:creationId xmlns:p14="http://schemas.microsoft.com/office/powerpoint/2010/main" val="642294949"/>
-      </p:ext>
-    </p:extLst>
-  </p:cSld>
-  <p:clrMapOvr>
-    <a:masterClrMapping/>
-  </p:clrMapOvr>
-  <mc:AlternateContent xmlns:mc="http://schemas.openxmlformats.org/markup-compatibility/2006" xmlns:p14="http://schemas.microsoft.com/office/powerpoint/2010/main">
-    <mc:Choice Requires="p14">
-      <p:transition spd="med" p14:dur="700">
-        <p:fade/>
-      </p:transition>
-    </mc:Choice>
-    <mc:Fallback xmlns="">
-      <p:transition spd="med">
-        <p:fade/>
-      </p:transition>
-    </mc:Fallback>
-  </mc:AlternateContent>
-</p:sld>
-</file>
-
-<file path=ppt/slides/slide8.xml><?xml version="1.0" encoding="utf-8"?>
-<p:sld xmlns:a="http://schemas.openxmlformats.org/drawingml/2006/main" xmlns:r="http://schemas.openxmlformats.org/officeDocument/2006/relationships" xmlns:p="http://schemas.openxmlformats.org/presentationml/2006/main">
-  <p:cSld>
-    <p:spTree>
-      <p:nvGrpSpPr>
-        <p:cNvPr id="1" name=""/>
-        <p:cNvGrpSpPr/>
-        <p:nvPr/>
-      </p:nvGrpSpPr>
-      <p:grpSpPr>
-        <a:xfrm>
-          <a:off x="0" y="0"/>
-          <a:ext cx="0" cy="0"/>
-          <a:chOff x="0" y="0"/>
-          <a:chExt cx="0" cy="0"/>
-        </a:xfrm>
-      </p:grpSpPr>
-      <p:pic>
-        <p:nvPicPr>
-          <p:cNvPr id="4" name="Picture 3">
-            <a:extLst>
-              <a:ext uri="{FF2B5EF4-FFF2-40B4-BE49-F238E27FC236}">
-                <a16:creationId xmlns:a16="http://schemas.microsoft.com/office/drawing/2014/main" id="{FECF48BD-3C14-44DE-B7EB-9450ABC839D2}"/>
-              </a:ext>
-            </a:extLst>
-          </p:cNvPr>
-          <p:cNvPicPr/>
-          <p:nvPr/>
-        </p:nvPicPr>
-        <p:blipFill>
-          <a:blip r:embed="rId3"/>
-          <a:stretch>
-            <a:fillRect/>
-          </a:stretch>
-        </p:blipFill>
-        <p:spPr>
-          <a:xfrm>
-            <a:off x="3819525" y="1543050"/>
-            <a:ext cx="4552950" cy="3771900"/>
-          </a:xfrm>
-          <a:prstGeom prst="rect">
-            <a:avLst/>
-          </a:prstGeom>
-        </p:spPr>
-      </p:pic>
-    </p:spTree>
-    <p:extLst>
-      <p:ext uri="{BB962C8B-B14F-4D97-AF65-F5344CB8AC3E}">
-        <p14:creationId xmlns:p14="http://schemas.microsoft.com/office/powerpoint/2010/main" val="2398860590"/>
-      </p:ext>
-    </p:extLst>
-  </p:cSld>
-  <p:clrMapOvr>
-    <a:masterClrMapping/>
-  </p:clrMapOvr>
-  <mc:AlternateContent xmlns:mc="http://schemas.openxmlformats.org/markup-compatibility/2006" xmlns:p14="http://schemas.microsoft.com/office/powerpoint/2010/main">
-    <mc:Choice Requires="p14">
-      <p:transition spd="med" p14:dur="700">
-        <p:fade/>
-      </p:transition>
-    </mc:Choice>
-    <mc:Fallback xmlns="">
-      <p:transition spd="med">
-        <p:fade/>
-      </p:transition>
-    </mc:Fallback>
-  </mc:AlternateContent>
-</p:sld>
-</file>
-
-<file path=ppt/slides/slide9.xml><?xml version="1.0" encoding="utf-8"?>
-<p:sld xmlns:a="http://schemas.openxmlformats.org/drawingml/2006/main" xmlns:r="http://schemas.openxmlformats.org/officeDocument/2006/relationships" xmlns:p="http://schemas.openxmlformats.org/presentationml/2006/main">
-  <p:cSld>
-    <p:spTree>
-      <p:nvGrpSpPr>
-        <p:cNvPr id="1" name=""/>
-        <p:cNvGrpSpPr/>
-        <p:nvPr/>
-      </p:nvGrpSpPr>
-      <p:grpSpPr>
-        <a:xfrm>
-          <a:off x="0" y="0"/>
-          <a:ext cx="0" cy="0"/>
-          <a:chOff x="0" y="0"/>
-          <a:chExt cx="0" cy="0"/>
-        </a:xfrm>
-      </p:grpSpPr>
-      <p:pic>
-        <p:nvPicPr>
-          <p:cNvPr id="3" name="Picture 2">
-            <a:extLst>
-              <a:ext uri="{FF2B5EF4-FFF2-40B4-BE49-F238E27FC236}">
-                <a16:creationId xmlns:a16="http://schemas.microsoft.com/office/drawing/2014/main" id="{4617C3BA-E214-469F-96CB-D017419FFD98}"/>
-              </a:ext>
-            </a:extLst>
-          </p:cNvPr>
-          <p:cNvPicPr/>
-          <p:nvPr/>
-        </p:nvPicPr>
-        <p:blipFill>
-          <a:blip r:embed="rId3"/>
-          <a:stretch>
-            <a:fillRect/>
-          </a:stretch>
-        </p:blipFill>
-        <p:spPr>
-          <a:xfrm>
-            <a:off x="3124200" y="1933257"/>
-            <a:ext cx="5943600" cy="2991485"/>
-          </a:xfrm>
-          <a:prstGeom prst="rect">
-            <a:avLst/>
-          </a:prstGeom>
-        </p:spPr>
-      </p:pic>
-    </p:spTree>
-    <p:extLst>
-      <p:ext uri="{BB962C8B-B14F-4D97-AF65-F5344CB8AC3E}">
-        <p14:creationId xmlns:p14="http://schemas.microsoft.com/office/powerpoint/2010/main" val="1171388130"/>
       </p:ext>
     </p:extLst>
   </p:cSld>
